--- a/2. HTML/Slides/HTML Grundlagen.pptx
+++ b/2. HTML/Slides/HTML Grundlagen.pptx
@@ -18,7 +18,19 @@
     <p:sldId id="315" r:id="rId12"/>
     <p:sldId id="318" r:id="rId13"/>
     <p:sldId id="320" r:id="rId14"/>
-    <p:sldId id="292" r:id="rId15"/>
+    <p:sldId id="324" r:id="rId15"/>
+    <p:sldId id="326" r:id="rId16"/>
+    <p:sldId id="322" r:id="rId17"/>
+    <p:sldId id="327" r:id="rId18"/>
+    <p:sldId id="321" r:id="rId19"/>
+    <p:sldId id="323" r:id="rId20"/>
+    <p:sldId id="329" r:id="rId21"/>
+    <p:sldId id="325" r:id="rId22"/>
+    <p:sldId id="330" r:id="rId23"/>
+    <p:sldId id="331" r:id="rId24"/>
+    <p:sldId id="333" r:id="rId25"/>
+    <p:sldId id="332" r:id="rId26"/>
+    <p:sldId id="292" r:id="rId27"/>
   </p:sldIdLst>
   <p:sldSz cx="12192000" cy="6858000"/>
   <p:notesSz cx="6858000" cy="9144000"/>
@@ -276,7 +288,7 @@
           <a:p>
             <a:fld id="{B6D41BCC-AD73-4203-A5A6-E62EB28B0FE6}" type="datetimeFigureOut">
               <a:rPr lang="en-US" smtClean="0"/>
-              <a:t>9/21/2023</a:t>
+              <a:t>9/25/2023</a:t>
             </a:fld>
             <a:endParaRPr lang="en-US"/>
           </a:p>
@@ -484,7 +496,7 @@
           <a:p>
             <a:fld id="{B6D41BCC-AD73-4203-A5A6-E62EB28B0FE6}" type="datetimeFigureOut">
               <a:rPr lang="en-US" smtClean="0"/>
-              <a:t>9/21/2023</a:t>
+              <a:t>9/25/2023</a:t>
             </a:fld>
             <a:endParaRPr lang="en-US"/>
           </a:p>
@@ -692,7 +704,7 @@
           <a:p>
             <a:fld id="{B6D41BCC-AD73-4203-A5A6-E62EB28B0FE6}" type="datetimeFigureOut">
               <a:rPr lang="en-US" smtClean="0"/>
-              <a:t>9/21/2023</a:t>
+              <a:t>9/25/2023</a:t>
             </a:fld>
             <a:endParaRPr lang="en-US"/>
           </a:p>
@@ -900,7 +912,7 @@
           <a:p>
             <a:fld id="{B6D41BCC-AD73-4203-A5A6-E62EB28B0FE6}" type="datetimeFigureOut">
               <a:rPr lang="en-US" smtClean="0"/>
-              <a:t>9/21/2023</a:t>
+              <a:t>9/25/2023</a:t>
             </a:fld>
             <a:endParaRPr lang="en-US"/>
           </a:p>
@@ -1191,6 +1203,13 @@
   <p:clrMapOvr>
     <a:masterClrMapping/>
   </p:clrMapOvr>
+  <p:timing>
+    <p:tnLst>
+      <p:par>
+        <p:cTn id="1" dur="indefinite" restart="never" nodeType="tmRoot"/>
+      </p:par>
+    </p:tnLst>
+  </p:timing>
 </p:sldLayout>
 </file>
 
@@ -1398,7 +1417,7 @@
           <a:p>
             <a:fld id="{B6D41BCC-AD73-4203-A5A6-E62EB28B0FE6}" type="datetimeFigureOut">
               <a:rPr lang="en-US" smtClean="0"/>
-              <a:t>9/21/2023</a:t>
+              <a:t>9/25/2023</a:t>
             </a:fld>
             <a:endParaRPr lang="en-US"/>
           </a:p>
@@ -1668,7 +1687,7 @@
           <a:p>
             <a:fld id="{B6D41BCC-AD73-4203-A5A6-E62EB28B0FE6}" type="datetimeFigureOut">
               <a:rPr lang="en-US" smtClean="0"/>
-              <a:t>9/21/2023</a:t>
+              <a:t>9/25/2023</a:t>
             </a:fld>
             <a:endParaRPr lang="en-US"/>
           </a:p>
@@ -2084,7 +2103,7 @@
           <a:p>
             <a:fld id="{B6D41BCC-AD73-4203-A5A6-E62EB28B0FE6}" type="datetimeFigureOut">
               <a:rPr lang="en-US" smtClean="0"/>
-              <a:t>9/21/2023</a:t>
+              <a:t>9/25/2023</a:t>
             </a:fld>
             <a:endParaRPr lang="en-US"/>
           </a:p>
@@ -2154,6 +2173,13 @@
   <p:clrMapOvr>
     <a:masterClrMapping/>
   </p:clrMapOvr>
+  <p:timing>
+    <p:tnLst>
+      <p:par>
+        <p:cTn id="1" dur="indefinite" restart="never" nodeType="tmRoot"/>
+      </p:par>
+    </p:tnLst>
+  </p:timing>
 </p:sldLayout>
 </file>
 
@@ -2225,7 +2251,7 @@
           <a:p>
             <a:fld id="{B6D41BCC-AD73-4203-A5A6-E62EB28B0FE6}" type="datetimeFigureOut">
               <a:rPr lang="en-US" smtClean="0"/>
-              <a:t>9/21/2023</a:t>
+              <a:t>9/25/2023</a:t>
             </a:fld>
             <a:endParaRPr lang="en-US"/>
           </a:p>
@@ -2338,7 +2364,7 @@
           <a:p>
             <a:fld id="{B6D41BCC-AD73-4203-A5A6-E62EB28B0FE6}" type="datetimeFigureOut">
               <a:rPr lang="en-US" smtClean="0"/>
-              <a:t>9/21/2023</a:t>
+              <a:t>9/25/2023</a:t>
             </a:fld>
             <a:endParaRPr lang="en-US"/>
           </a:p>
@@ -2664,7 +2690,7 @@
           <a:p>
             <a:fld id="{B6D41BCC-AD73-4203-A5A6-E62EB28B0FE6}" type="datetimeFigureOut">
               <a:rPr lang="en-US" smtClean="0"/>
-              <a:t>9/21/2023</a:t>
+              <a:t>9/25/2023</a:t>
             </a:fld>
             <a:endParaRPr lang="en-US"/>
           </a:p>
@@ -2952,7 +2978,7 @@
           <a:p>
             <a:fld id="{B6D41BCC-AD73-4203-A5A6-E62EB28B0FE6}" type="datetimeFigureOut">
               <a:rPr lang="en-US" smtClean="0"/>
-              <a:t>9/21/2023</a:t>
+              <a:t>9/25/2023</a:t>
             </a:fld>
             <a:endParaRPr lang="en-US"/>
           </a:p>
@@ -3192,7 +3218,7 @@
             <a:fld id="{B6D41BCC-AD73-4203-A5A6-E62EB28B0FE6}" type="datetimeFigureOut">
               <a:rPr lang="en-US" smtClean="0"/>
               <a:pPr/>
-              <a:t>9/21/2023</a:t>
+              <a:t>9/25/2023</a:t>
             </a:fld>
             <a:endParaRPr lang="en-US"/>
           </a:p>
@@ -3285,6 +3311,53 @@
           </a:p>
         </p:txBody>
       </p:sp>
+      <p:pic>
+        <p:nvPicPr>
+          <p:cNvPr id="7" name="Picture 2" descr="CODERS.BAY | Linz">
+            <a:extLst>
+              <a:ext uri="{FF2B5EF4-FFF2-40B4-BE49-F238E27FC236}">
+                <a16:creationId xmlns:a16="http://schemas.microsoft.com/office/drawing/2014/main" id="{C079F84A-0229-4246-9A37-875D50694AFA}"/>
+              </a:ext>
+            </a:extLst>
+          </p:cNvPr>
+          <p:cNvPicPr>
+            <a:picLocks noChangeAspect="1" noChangeArrowheads="1"/>
+          </p:cNvPicPr>
+          <p:nvPr userDrawn="1"/>
+        </p:nvPicPr>
+        <p:blipFill>
+          <a:blip r:embed="rId13">
+            <a:extLst>
+              <a:ext uri="{28A0092B-C50C-407E-A947-70E740481C1C}">
+                <a14:useLocalDpi xmlns:a14="http://schemas.microsoft.com/office/drawing/2010/main" val="0"/>
+              </a:ext>
+            </a:extLst>
+          </a:blip>
+          <a:srcRect/>
+          <a:stretch>
+            <a:fillRect/>
+          </a:stretch>
+        </p:blipFill>
+        <p:spPr bwMode="auto">
+          <a:xfrm>
+            <a:off x="11453202" y="90365"/>
+            <a:ext cx="675176" cy="675176"/>
+          </a:xfrm>
+          <a:prstGeom prst="rect">
+            <a:avLst/>
+          </a:prstGeom>
+          <a:noFill/>
+          <a:extLst>
+            <a:ext uri="{909E8E84-426E-40DD-AFC4-6F175D3DCCD1}">
+              <a14:hiddenFill xmlns:a14="http://schemas.microsoft.com/office/drawing/2010/main">
+                <a:solidFill>
+                  <a:srgbClr val="FFFFFF"/>
+                </a:solidFill>
+              </a14:hiddenFill>
+            </a:ext>
+          </a:extLst>
+        </p:spPr>
+      </p:pic>
     </p:spTree>
     <p:extLst>
       <p:ext uri="{BB962C8B-B14F-4D97-AF65-F5344CB8AC3E}">
@@ -3306,6 +3379,13 @@
     <p:sldLayoutId id="2147483678" r:id="rId10"/>
     <p:sldLayoutId id="2147483680" r:id="rId11"/>
   </p:sldLayoutIdLst>
+  <p:timing>
+    <p:tnLst>
+      <p:par>
+        <p:cTn id="1" dur="indefinite" restart="never" nodeType="tmRoot"/>
+      </p:par>
+    </p:tnLst>
+  </p:timing>
   <p:txStyles>
     <p:titleStyle>
       <a:lvl1pPr algn="l" defTabSz="914400" rtl="0" eaLnBrk="1" latinLnBrk="0" hangingPunct="1">
@@ -4408,9 +4488,10 @@
               <a:t>br</a:t>
             </a:r>
             <a:r>
-              <a:rPr lang="de-AT" sz="2000" dirty="0"/>
+              <a:rPr lang="de-AT" sz="2000" dirty="0" smtClean="0"/>
               <a:t>&gt;</a:t>
             </a:r>
+            <a:endParaRPr lang="de-AT" sz="2000" dirty="0"/>
           </a:p>
           <a:p>
             <a:endParaRPr lang="de-AT" sz="2000" dirty="0"/>
@@ -4436,7 +4517,7 @@
         </p:nvSpPr>
         <p:spPr>
           <a:xfrm>
-            <a:off x="4766778" y="1838127"/>
+            <a:off x="4766778" y="1833463"/>
             <a:ext cx="5352922" cy="4367311"/>
           </a:xfrm>
           <a:prstGeom prst="rect">
@@ -4924,6 +5005,38 @@
           </a:p>
           <a:p>
             <a:endParaRPr lang="de-AT" sz="2000" dirty="0"/>
+          </a:p>
+        </p:txBody>
+      </p:sp>
+      <p:sp>
+        <p:nvSpPr>
+          <p:cNvPr id="5" name="Textfeld 4"/>
+          <p:cNvSpPr txBox="1"/>
+          <p:nvPr/>
+        </p:nvSpPr>
+        <p:spPr>
+          <a:xfrm rot="20942763">
+            <a:off x="2195643" y="4639037"/>
+            <a:ext cx="6265547" cy="923330"/>
+          </a:xfrm>
+          <a:prstGeom prst="rect">
+            <a:avLst/>
+          </a:prstGeom>
+          <a:solidFill>
+            <a:srgbClr val="FFFF00"/>
+          </a:solidFill>
+        </p:spPr>
+        <p:txBody>
+          <a:bodyPr wrap="square" rtlCol="0">
+            <a:spAutoFit/>
+          </a:bodyPr>
+          <a:lstStyle/>
+          <a:p>
+            <a:r>
+              <a:rPr lang="de-AT" dirty="0" smtClean="0"/>
+              <a:t>Diese List ist nur ein Auszug aus häufig verwendeten Tags. Im Laufe des Kurses, werden wir durch Übungen noch viele weitere Tags kennen lernen und auch anwenden</a:t>
+            </a:r>
+            <a:endParaRPr lang="en-US" dirty="0"/>
           </a:p>
         </p:txBody>
       </p:sp>
@@ -5515,6 +5628,59 @@
                       </p:childTnLst>
                     </p:cTn>
                   </p:par>
+                  <p:par>
+                    <p:cTn id="45" fill="hold">
+                      <p:stCondLst>
+                        <p:cond delay="indefinite"/>
+                      </p:stCondLst>
+                      <p:childTnLst>
+                        <p:par>
+                          <p:cTn id="46" fill="hold">
+                            <p:stCondLst>
+                              <p:cond delay="0"/>
+                            </p:stCondLst>
+                            <p:childTnLst>
+                              <p:par>
+                                <p:cTn id="47" presetID="10" presetClass="entr" presetSubtype="0" fill="hold" grpId="0" nodeType="clickEffect">
+                                  <p:stCondLst>
+                                    <p:cond delay="0"/>
+                                  </p:stCondLst>
+                                  <p:childTnLst>
+                                    <p:set>
+                                      <p:cBhvr>
+                                        <p:cTn id="48" dur="1" fill="hold">
+                                          <p:stCondLst>
+                                            <p:cond delay="0"/>
+                                          </p:stCondLst>
+                                        </p:cTn>
+                                        <p:tgtEl>
+                                          <p:spTgt spid="5"/>
+                                        </p:tgtEl>
+                                        <p:attrNameLst>
+                                          <p:attrName>style.visibility</p:attrName>
+                                        </p:attrNameLst>
+                                      </p:cBhvr>
+                                      <p:to>
+                                        <p:strVal val="visible"/>
+                                      </p:to>
+                                    </p:set>
+                                    <p:animEffect transition="in" filter="fade">
+                                      <p:cBhvr>
+                                        <p:cTn id="49" dur="500"/>
+                                        <p:tgtEl>
+                                          <p:spTgt spid="5"/>
+                                        </p:tgtEl>
+                                      </p:cBhvr>
+                                    </p:animEffect>
+                                  </p:childTnLst>
+                                </p:cTn>
+                              </p:par>
+                            </p:childTnLst>
+                          </p:cTn>
+                        </p:par>
+                      </p:childTnLst>
+                    </p:cTn>
+                  </p:par>
                 </p:childTnLst>
               </p:cTn>
               <p:prevCondLst>
@@ -5539,6 +5705,7 @@
     <p:bldLst>
       <p:bldP spid="3" grpId="0" uiExpand="1" build="p"/>
       <p:bldP spid="7" grpId="0" uiExpand="1" build="p"/>
+      <p:bldP spid="5" grpId="0" animBg="1"/>
     </p:bldLst>
   </p:timing>
 </p:sld>
@@ -5780,7 +5947,6 @@
               <a:rPr lang="de-AT" dirty="0" smtClean="0"/>
               <a:t>Styling (Vorschau wird mit CSS vertieft)</a:t>
             </a:r>
-            <a:endParaRPr lang="de-AT" dirty="0" smtClean="0"/>
           </a:p>
           <a:p>
             <a:r>
@@ -5893,24 +6059,45 @@
       </p:grpSpPr>
       <p:sp>
         <p:nvSpPr>
-          <p:cNvPr id="6" name="Titel 5">
-            <a:extLst>
-              <a:ext uri="{FF2B5EF4-FFF2-40B4-BE49-F238E27FC236}">
-                <a16:creationId xmlns:a16="http://schemas.microsoft.com/office/drawing/2014/main" id="{215C6C17-3994-268F-CD9B-1F627A31A4B8}"/>
-              </a:ext>
-            </a:extLst>
-          </p:cNvPr>
+          <p:cNvPr id="2" name="Titel 1"/>
           <p:cNvSpPr>
             <a:spLocks noGrp="1"/>
           </p:cNvSpPr>
           <p:nvPr>
-            <p:ph type="ctrTitle"/>
+            <p:ph type="title"/>
+          </p:nvPr>
+        </p:nvSpPr>
+        <p:spPr/>
+        <p:txBody>
+          <a:bodyPr/>
+          <a:lstStyle/>
+          <a:p>
+            <a:r>
+              <a:rPr lang="de-AT" dirty="0" err="1" smtClean="0"/>
+              <a:t>Iframe</a:t>
+            </a:r>
+            <a:r>
+              <a:rPr lang="de-AT" dirty="0" smtClean="0"/>
+              <a:t> Element</a:t>
+            </a:r>
+            <a:endParaRPr lang="en-US" dirty="0"/>
+          </a:p>
+        </p:txBody>
+      </p:sp>
+      <p:sp>
+        <p:nvSpPr>
+          <p:cNvPr id="3" name="Inhaltsplatzhalter 2"/>
+          <p:cNvSpPr>
+            <a:spLocks noGrp="1"/>
+          </p:cNvSpPr>
+          <p:nvPr>
+            <p:ph idx="1"/>
           </p:nvPr>
         </p:nvSpPr>
         <p:spPr>
           <a:xfrm>
-            <a:off x="2032212" y="342077"/>
-            <a:ext cx="8127574" cy="2736443"/>
+            <a:off x="1078463" y="1833465"/>
+            <a:ext cx="9238353" cy="4137259"/>
           </a:xfrm>
         </p:spPr>
         <p:txBody>
@@ -5918,28 +6105,1810 @@
           <a:lstStyle/>
           <a:p>
             <a:r>
-              <a:rPr lang="de-AT" dirty="0"/>
-              <a:t>Viel Erfolg beim Entwickeln!</a:t>
-            </a:r>
+              <a:rPr lang="de-AT" dirty="0" smtClean="0"/>
+              <a:t>Einbetten von externen </a:t>
+            </a:r>
+            <a:r>
+              <a:rPr lang="de-AT" dirty="0" smtClean="0"/>
+              <a:t>oder </a:t>
+            </a:r>
+            <a:r>
+              <a:rPr lang="de-AT" dirty="0" smtClean="0"/>
+              <a:t>internen </a:t>
+            </a:r>
+            <a:r>
+              <a:rPr lang="de-AT" dirty="0" smtClean="0"/>
+              <a:t>Webseiten </a:t>
+            </a:r>
+            <a:r>
+              <a:rPr lang="de-AT" dirty="0" smtClean="0"/>
+              <a:t>und Inhalten im aktuellen HTML File</a:t>
+            </a:r>
+            <a:endParaRPr lang="en-US" dirty="0"/>
           </a:p>
         </p:txBody>
       </p:sp>
       <p:pic>
         <p:nvPicPr>
-          <p:cNvPr id="2050" name="Picture 2" descr="CODERS.BAY | Linz">
-            <a:extLst>
-              <a:ext uri="{FF2B5EF4-FFF2-40B4-BE49-F238E27FC236}">
-                <a16:creationId xmlns:a16="http://schemas.microsoft.com/office/drawing/2014/main" id="{FC92A2D7-CD40-5160-E3FA-7A115A1ECE63}"/>
-              </a:ext>
-            </a:extLst>
-          </p:cNvPr>
+          <p:cNvPr id="7" name="Grafik 6"/>
+          <p:cNvPicPr>
+            <a:picLocks noChangeAspect="1"/>
+          </p:cNvPicPr>
+          <p:nvPr/>
+        </p:nvPicPr>
+        <p:blipFill>
+          <a:blip r:embed="rId2"/>
+          <a:stretch>
+            <a:fillRect/>
+          </a:stretch>
+        </p:blipFill>
+        <p:spPr>
+          <a:xfrm>
+            <a:off x="852853" y="2563549"/>
+            <a:ext cx="10556630" cy="419073"/>
+          </a:xfrm>
+          <a:prstGeom prst="rect">
+            <a:avLst/>
+          </a:prstGeom>
+        </p:spPr>
+      </p:pic>
+      <p:pic>
+        <p:nvPicPr>
+          <p:cNvPr id="8" name="Grafik 7"/>
+          <p:cNvPicPr>
+            <a:picLocks noChangeAspect="1"/>
+          </p:cNvPicPr>
+          <p:nvPr/>
+        </p:nvPicPr>
+        <p:blipFill>
+          <a:blip r:embed="rId3"/>
+          <a:stretch>
+            <a:fillRect/>
+          </a:stretch>
+        </p:blipFill>
+        <p:spPr>
+          <a:xfrm>
+            <a:off x="3691401" y="3327000"/>
+            <a:ext cx="4879533" cy="2970872"/>
+          </a:xfrm>
+          <a:prstGeom prst="rect">
+            <a:avLst/>
+          </a:prstGeom>
+        </p:spPr>
+      </p:pic>
+    </p:spTree>
+    <p:extLst>
+      <p:ext uri="{BB962C8B-B14F-4D97-AF65-F5344CB8AC3E}">
+        <p14:creationId xmlns:p14="http://schemas.microsoft.com/office/powerpoint/2010/main" val="955291621"/>
+      </p:ext>
+    </p:extLst>
+  </p:cSld>
+  <p:clrMapOvr>
+    <a:masterClrMapping/>
+  </p:clrMapOvr>
+  <p:timing>
+    <p:tnLst>
+      <p:par>
+        <p:cTn id="1" dur="indefinite" restart="never" nodeType="tmRoot"/>
+      </p:par>
+    </p:tnLst>
+  </p:timing>
+</p:sld>
+</file>
+
+<file path=ppt/slides/slide15.xml><?xml version="1.0" encoding="utf-8"?>
+<p:sld xmlns:a="http://schemas.openxmlformats.org/drawingml/2006/main" xmlns:r="http://schemas.openxmlformats.org/officeDocument/2006/relationships" xmlns:p="http://schemas.openxmlformats.org/presentationml/2006/main">
+  <p:cSld>
+    <p:spTree>
+      <p:nvGrpSpPr>
+        <p:cNvPr id="1" name=""/>
+        <p:cNvGrpSpPr/>
+        <p:nvPr/>
+      </p:nvGrpSpPr>
+      <p:grpSpPr>
+        <a:xfrm>
+          <a:off x="0" y="0"/>
+          <a:ext cx="0" cy="0"/>
+          <a:chOff x="0" y="0"/>
+          <a:chExt cx="0" cy="0"/>
+        </a:xfrm>
+      </p:grpSpPr>
+      <p:sp>
+        <p:nvSpPr>
+          <p:cNvPr id="2" name="Titel 1"/>
+          <p:cNvSpPr>
+            <a:spLocks noGrp="1"/>
+          </p:cNvSpPr>
+          <p:nvPr>
+            <p:ph type="title"/>
+          </p:nvPr>
+        </p:nvSpPr>
+        <p:spPr/>
+        <p:txBody>
+          <a:bodyPr/>
+          <a:lstStyle/>
+          <a:p>
+            <a:r>
+              <a:rPr lang="de-AT" dirty="0" smtClean="0"/>
+              <a:t>HTML Tabelle</a:t>
+            </a:r>
+            <a:endParaRPr lang="en-US" dirty="0"/>
+          </a:p>
+        </p:txBody>
+      </p:sp>
+      <p:sp>
+        <p:nvSpPr>
+          <p:cNvPr id="3" name="Inhaltsplatzhalter 2"/>
+          <p:cNvSpPr>
+            <a:spLocks noGrp="1"/>
+          </p:cNvSpPr>
+          <p:nvPr>
+            <p:ph idx="1"/>
+          </p:nvPr>
+        </p:nvSpPr>
+        <p:spPr>
+          <a:xfrm>
+            <a:off x="1078464" y="1833465"/>
+            <a:ext cx="6799444" cy="4137259"/>
+          </a:xfrm>
+        </p:spPr>
+        <p:txBody>
+          <a:bodyPr>
+            <a:normAutofit/>
+          </a:bodyPr>
+          <a:lstStyle/>
+          <a:p>
+            <a:r>
+              <a:rPr lang="de-DE" sz="2000" dirty="0"/>
+              <a:t>HTML-Tabellen ermöglichen </a:t>
+            </a:r>
+            <a:r>
+              <a:rPr lang="de-DE" sz="2000" dirty="0" smtClean="0"/>
+              <a:t>es, </a:t>
+            </a:r>
+            <a:r>
+              <a:rPr lang="de-DE" sz="2000" dirty="0"/>
+              <a:t>Daten in Zeilen und Spalten anzuordnen</a:t>
+            </a:r>
+            <a:r>
+              <a:rPr lang="de-DE" sz="2000" dirty="0" smtClean="0"/>
+              <a:t>.</a:t>
+            </a:r>
+          </a:p>
+          <a:p>
+            <a:r>
+              <a:rPr lang="de-DE" sz="2000" dirty="0" smtClean="0"/>
+              <a:t>&lt;</a:t>
+            </a:r>
+            <a:r>
+              <a:rPr lang="de-DE" sz="2000" dirty="0" err="1" smtClean="0"/>
+              <a:t>table</a:t>
+            </a:r>
+            <a:r>
+              <a:rPr lang="de-DE" sz="2000" dirty="0" smtClean="0"/>
+              <a:t>&gt;: Tabellen-Tag</a:t>
+            </a:r>
+          </a:p>
+          <a:p>
+            <a:r>
+              <a:rPr lang="de-DE" sz="2000" dirty="0" smtClean="0"/>
+              <a:t>&lt;</a:t>
+            </a:r>
+            <a:r>
+              <a:rPr lang="de-DE" sz="2000" dirty="0" err="1" smtClean="0"/>
+              <a:t>tr</a:t>
+            </a:r>
+            <a:r>
+              <a:rPr lang="de-DE" sz="2000" dirty="0" smtClean="0"/>
+              <a:t>&gt;: </a:t>
+            </a:r>
+            <a:r>
+              <a:rPr lang="de-DE" sz="2000" dirty="0" err="1" smtClean="0"/>
+              <a:t>table</a:t>
+            </a:r>
+            <a:r>
+              <a:rPr lang="de-DE" sz="2000" dirty="0" smtClean="0"/>
+              <a:t> </a:t>
+            </a:r>
+            <a:r>
+              <a:rPr lang="de-DE" sz="2000" dirty="0" err="1" smtClean="0"/>
+              <a:t>row</a:t>
+            </a:r>
+            <a:r>
+              <a:rPr lang="de-DE" sz="2000" dirty="0" smtClean="0"/>
+              <a:t> – Reihen</a:t>
+            </a:r>
+          </a:p>
+          <a:p>
+            <a:r>
+              <a:rPr lang="de-DE" sz="2000" dirty="0" smtClean="0"/>
+              <a:t>&lt;</a:t>
+            </a:r>
+            <a:r>
+              <a:rPr lang="de-DE" sz="2000" dirty="0" err="1" smtClean="0"/>
+              <a:t>td</a:t>
+            </a:r>
+            <a:r>
+              <a:rPr lang="de-DE" sz="2000" dirty="0" smtClean="0"/>
+              <a:t>&gt;: </a:t>
+            </a:r>
+            <a:r>
+              <a:rPr lang="de-DE" sz="2000" dirty="0" err="1" smtClean="0"/>
+              <a:t>table</a:t>
+            </a:r>
+            <a:r>
+              <a:rPr lang="de-DE" sz="2000" dirty="0" smtClean="0"/>
+              <a:t> </a:t>
+            </a:r>
+            <a:r>
+              <a:rPr lang="de-DE" sz="2000" dirty="0" err="1" smtClean="0"/>
+              <a:t>data</a:t>
+            </a:r>
+            <a:r>
+              <a:rPr lang="de-DE" sz="2000" dirty="0" smtClean="0"/>
+              <a:t> – Zellen</a:t>
+            </a:r>
+          </a:p>
+          <a:p>
+            <a:r>
+              <a:rPr lang="de-DE" sz="2000" dirty="0" smtClean="0"/>
+              <a:t>&lt;</a:t>
+            </a:r>
+            <a:r>
+              <a:rPr lang="de-DE" sz="2000" dirty="0" err="1" smtClean="0"/>
+              <a:t>th</a:t>
+            </a:r>
+            <a:r>
+              <a:rPr lang="de-DE" sz="2000" dirty="0" smtClean="0"/>
+              <a:t>&gt;: </a:t>
+            </a:r>
+            <a:r>
+              <a:rPr lang="de-DE" sz="2000" dirty="0" err="1" smtClean="0"/>
+              <a:t>table</a:t>
+            </a:r>
+            <a:r>
+              <a:rPr lang="de-DE" sz="2000" dirty="0" smtClean="0"/>
+              <a:t> </a:t>
+            </a:r>
+            <a:r>
+              <a:rPr lang="de-DE" sz="2000" dirty="0" err="1" smtClean="0"/>
+              <a:t>header</a:t>
+            </a:r>
+            <a:r>
+              <a:rPr lang="de-DE" sz="2000" dirty="0" smtClean="0"/>
+              <a:t> – Kopfzeile</a:t>
+            </a:r>
+          </a:p>
+          <a:p>
+            <a:r>
+              <a:rPr lang="de-DE" sz="2000" dirty="0" smtClean="0"/>
+              <a:t>&lt;</a:t>
+            </a:r>
+            <a:r>
+              <a:rPr lang="de-DE" sz="2000" dirty="0" err="1" smtClean="0"/>
+              <a:t>td</a:t>
+            </a:r>
+            <a:r>
+              <a:rPr lang="de-DE" sz="2000" dirty="0" smtClean="0"/>
+              <a:t> </a:t>
+            </a:r>
+            <a:r>
+              <a:rPr lang="de-DE" sz="2000" dirty="0" err="1" smtClean="0"/>
+              <a:t>colspan</a:t>
+            </a:r>
+            <a:r>
+              <a:rPr lang="de-DE" sz="2000" dirty="0" smtClean="0"/>
+              <a:t> = </a:t>
+            </a:r>
+            <a:r>
+              <a:rPr lang="en-US" sz="2000" dirty="0" smtClean="0"/>
+              <a:t>“</a:t>
+            </a:r>
+            <a:r>
+              <a:rPr lang="de-DE" sz="2000" dirty="0" smtClean="0"/>
+              <a:t>2</a:t>
+            </a:r>
+            <a:r>
+              <a:rPr lang="en-US" sz="2000" dirty="0" smtClean="0"/>
+              <a:t>”&gt; </a:t>
+            </a:r>
+            <a:r>
+              <a:rPr lang="en-US" sz="2000" dirty="0" err="1" smtClean="0"/>
+              <a:t>umfasst</a:t>
+            </a:r>
+            <a:r>
+              <a:rPr lang="en-US" sz="2000" dirty="0" smtClean="0"/>
+              <a:t> 2 </a:t>
+            </a:r>
+            <a:r>
+              <a:rPr lang="en-US" sz="2000" dirty="0" err="1" smtClean="0"/>
+              <a:t>Spalten</a:t>
+            </a:r>
+            <a:endParaRPr lang="en-US" sz="2000" dirty="0" smtClean="0"/>
+          </a:p>
+          <a:p>
+            <a:r>
+              <a:rPr lang="en-US" sz="2000" dirty="0" smtClean="0"/>
+              <a:t>&lt;td </a:t>
+            </a:r>
+            <a:r>
+              <a:rPr lang="en-US" sz="2000" dirty="0" err="1" smtClean="0"/>
+              <a:t>rowspan</a:t>
+            </a:r>
+            <a:r>
+              <a:rPr lang="en-US" sz="2000" dirty="0" smtClean="0"/>
+              <a:t> = “2”&gt; </a:t>
+            </a:r>
+            <a:r>
+              <a:rPr lang="en-US" sz="2000" dirty="0" err="1" smtClean="0"/>
+              <a:t>umfasst</a:t>
+            </a:r>
+            <a:r>
+              <a:rPr lang="en-US" sz="2000" dirty="0" smtClean="0"/>
+              <a:t> 2 </a:t>
+            </a:r>
+            <a:r>
+              <a:rPr lang="en-US" sz="2000" dirty="0" err="1" smtClean="0"/>
+              <a:t>Reihen</a:t>
+            </a:r>
+            <a:endParaRPr lang="de-DE" sz="2000" dirty="0" smtClean="0"/>
+          </a:p>
+          <a:p>
+            <a:endParaRPr lang="de-DE" sz="2000" dirty="0"/>
+          </a:p>
+          <a:p>
+            <a:endParaRPr lang="en-US" sz="2000" dirty="0"/>
+          </a:p>
+        </p:txBody>
+      </p:sp>
+      <p:pic>
+        <p:nvPicPr>
+          <p:cNvPr id="4" name="Grafik 3"/>
+          <p:cNvPicPr>
+            <a:picLocks noChangeAspect="1"/>
+          </p:cNvPicPr>
+          <p:nvPr/>
+        </p:nvPicPr>
+        <p:blipFill>
+          <a:blip r:embed="rId2"/>
+          <a:stretch>
+            <a:fillRect/>
+          </a:stretch>
+        </p:blipFill>
+        <p:spPr>
+          <a:xfrm>
+            <a:off x="6321667" y="4902227"/>
+            <a:ext cx="5742215" cy="1385019"/>
+          </a:xfrm>
+          <a:prstGeom prst="rect">
+            <a:avLst/>
+          </a:prstGeom>
+        </p:spPr>
+      </p:pic>
+      <p:pic>
+        <p:nvPicPr>
+          <p:cNvPr id="6" name="Grafik 5"/>
+          <p:cNvPicPr>
+            <a:picLocks noChangeAspect="1"/>
+          </p:cNvPicPr>
+          <p:nvPr/>
+        </p:nvPicPr>
+        <p:blipFill>
+          <a:blip r:embed="rId3"/>
+          <a:stretch>
+            <a:fillRect/>
+          </a:stretch>
+        </p:blipFill>
+        <p:spPr>
+          <a:xfrm>
+            <a:off x="7877908" y="621957"/>
+            <a:ext cx="3185436" cy="3993226"/>
+          </a:xfrm>
+          <a:prstGeom prst="rect">
+            <a:avLst/>
+          </a:prstGeom>
+        </p:spPr>
+      </p:pic>
+    </p:spTree>
+    <p:extLst>
+      <p:ext uri="{BB962C8B-B14F-4D97-AF65-F5344CB8AC3E}">
+        <p14:creationId xmlns:p14="http://schemas.microsoft.com/office/powerpoint/2010/main" val="386629234"/>
+      </p:ext>
+    </p:extLst>
+  </p:cSld>
+  <p:clrMapOvr>
+    <a:masterClrMapping/>
+  </p:clrMapOvr>
+  <p:timing>
+    <p:tnLst>
+      <p:par>
+        <p:cTn id="1" dur="indefinite" restart="never" nodeType="tmRoot">
+          <p:childTnLst>
+            <p:seq concurrent="1" nextAc="seek">
+              <p:cTn id="2" dur="indefinite" nodeType="mainSeq">
+                <p:childTnLst>
+                  <p:par>
+                    <p:cTn id="3" fill="hold">
+                      <p:stCondLst>
+                        <p:cond delay="indefinite"/>
+                      </p:stCondLst>
+                      <p:childTnLst>
+                        <p:par>
+                          <p:cTn id="4" fill="hold">
+                            <p:stCondLst>
+                              <p:cond delay="0"/>
+                            </p:stCondLst>
+                            <p:childTnLst>
+                              <p:par>
+                                <p:cTn id="5" presetID="10" presetClass="entr" presetSubtype="0" fill="hold" grpId="0" nodeType="clickEffect">
+                                  <p:stCondLst>
+                                    <p:cond delay="0"/>
+                                  </p:stCondLst>
+                                  <p:childTnLst>
+                                    <p:set>
+                                      <p:cBhvr>
+                                        <p:cTn id="6" dur="1" fill="hold">
+                                          <p:stCondLst>
+                                            <p:cond delay="0"/>
+                                          </p:stCondLst>
+                                        </p:cTn>
+                                        <p:tgtEl>
+                                          <p:spTgt spid="3">
+                                            <p:txEl>
+                                              <p:pRg st="0" end="0"/>
+                                            </p:txEl>
+                                          </p:spTgt>
+                                        </p:tgtEl>
+                                        <p:attrNameLst>
+                                          <p:attrName>style.visibility</p:attrName>
+                                        </p:attrNameLst>
+                                      </p:cBhvr>
+                                      <p:to>
+                                        <p:strVal val="visible"/>
+                                      </p:to>
+                                    </p:set>
+                                    <p:animEffect transition="in" filter="fade">
+                                      <p:cBhvr>
+                                        <p:cTn id="7" dur="500"/>
+                                        <p:tgtEl>
+                                          <p:spTgt spid="3">
+                                            <p:txEl>
+                                              <p:pRg st="0" end="0"/>
+                                            </p:txEl>
+                                          </p:spTgt>
+                                        </p:tgtEl>
+                                      </p:cBhvr>
+                                    </p:animEffect>
+                                  </p:childTnLst>
+                                </p:cTn>
+                              </p:par>
+                            </p:childTnLst>
+                          </p:cTn>
+                        </p:par>
+                      </p:childTnLst>
+                    </p:cTn>
+                  </p:par>
+                  <p:par>
+                    <p:cTn id="8" fill="hold">
+                      <p:stCondLst>
+                        <p:cond delay="indefinite"/>
+                      </p:stCondLst>
+                      <p:childTnLst>
+                        <p:par>
+                          <p:cTn id="9" fill="hold">
+                            <p:stCondLst>
+                              <p:cond delay="0"/>
+                            </p:stCondLst>
+                            <p:childTnLst>
+                              <p:par>
+                                <p:cTn id="10" presetID="10" presetClass="entr" presetSubtype="0" fill="hold" grpId="0" nodeType="clickEffect">
+                                  <p:stCondLst>
+                                    <p:cond delay="0"/>
+                                  </p:stCondLst>
+                                  <p:childTnLst>
+                                    <p:set>
+                                      <p:cBhvr>
+                                        <p:cTn id="11" dur="1" fill="hold">
+                                          <p:stCondLst>
+                                            <p:cond delay="0"/>
+                                          </p:stCondLst>
+                                        </p:cTn>
+                                        <p:tgtEl>
+                                          <p:spTgt spid="3">
+                                            <p:txEl>
+                                              <p:pRg st="1" end="1"/>
+                                            </p:txEl>
+                                          </p:spTgt>
+                                        </p:tgtEl>
+                                        <p:attrNameLst>
+                                          <p:attrName>style.visibility</p:attrName>
+                                        </p:attrNameLst>
+                                      </p:cBhvr>
+                                      <p:to>
+                                        <p:strVal val="visible"/>
+                                      </p:to>
+                                    </p:set>
+                                    <p:animEffect transition="in" filter="fade">
+                                      <p:cBhvr>
+                                        <p:cTn id="12" dur="500"/>
+                                        <p:tgtEl>
+                                          <p:spTgt spid="3">
+                                            <p:txEl>
+                                              <p:pRg st="1" end="1"/>
+                                            </p:txEl>
+                                          </p:spTgt>
+                                        </p:tgtEl>
+                                      </p:cBhvr>
+                                    </p:animEffect>
+                                  </p:childTnLst>
+                                </p:cTn>
+                              </p:par>
+                            </p:childTnLst>
+                          </p:cTn>
+                        </p:par>
+                      </p:childTnLst>
+                    </p:cTn>
+                  </p:par>
+                  <p:par>
+                    <p:cTn id="13" fill="hold">
+                      <p:stCondLst>
+                        <p:cond delay="indefinite"/>
+                      </p:stCondLst>
+                      <p:childTnLst>
+                        <p:par>
+                          <p:cTn id="14" fill="hold">
+                            <p:stCondLst>
+                              <p:cond delay="0"/>
+                            </p:stCondLst>
+                            <p:childTnLst>
+                              <p:par>
+                                <p:cTn id="15" presetID="10" presetClass="entr" presetSubtype="0" fill="hold" grpId="0" nodeType="clickEffect">
+                                  <p:stCondLst>
+                                    <p:cond delay="0"/>
+                                  </p:stCondLst>
+                                  <p:childTnLst>
+                                    <p:set>
+                                      <p:cBhvr>
+                                        <p:cTn id="16" dur="1" fill="hold">
+                                          <p:stCondLst>
+                                            <p:cond delay="0"/>
+                                          </p:stCondLst>
+                                        </p:cTn>
+                                        <p:tgtEl>
+                                          <p:spTgt spid="3">
+                                            <p:txEl>
+                                              <p:pRg st="2" end="2"/>
+                                            </p:txEl>
+                                          </p:spTgt>
+                                        </p:tgtEl>
+                                        <p:attrNameLst>
+                                          <p:attrName>style.visibility</p:attrName>
+                                        </p:attrNameLst>
+                                      </p:cBhvr>
+                                      <p:to>
+                                        <p:strVal val="visible"/>
+                                      </p:to>
+                                    </p:set>
+                                    <p:animEffect transition="in" filter="fade">
+                                      <p:cBhvr>
+                                        <p:cTn id="17" dur="500"/>
+                                        <p:tgtEl>
+                                          <p:spTgt spid="3">
+                                            <p:txEl>
+                                              <p:pRg st="2" end="2"/>
+                                            </p:txEl>
+                                          </p:spTgt>
+                                        </p:tgtEl>
+                                      </p:cBhvr>
+                                    </p:animEffect>
+                                  </p:childTnLst>
+                                </p:cTn>
+                              </p:par>
+                            </p:childTnLst>
+                          </p:cTn>
+                        </p:par>
+                      </p:childTnLst>
+                    </p:cTn>
+                  </p:par>
+                  <p:par>
+                    <p:cTn id="18" fill="hold">
+                      <p:stCondLst>
+                        <p:cond delay="indefinite"/>
+                      </p:stCondLst>
+                      <p:childTnLst>
+                        <p:par>
+                          <p:cTn id="19" fill="hold">
+                            <p:stCondLst>
+                              <p:cond delay="0"/>
+                            </p:stCondLst>
+                            <p:childTnLst>
+                              <p:par>
+                                <p:cTn id="20" presetID="10" presetClass="entr" presetSubtype="0" fill="hold" grpId="0" nodeType="clickEffect">
+                                  <p:stCondLst>
+                                    <p:cond delay="0"/>
+                                  </p:stCondLst>
+                                  <p:childTnLst>
+                                    <p:set>
+                                      <p:cBhvr>
+                                        <p:cTn id="21" dur="1" fill="hold">
+                                          <p:stCondLst>
+                                            <p:cond delay="0"/>
+                                          </p:stCondLst>
+                                        </p:cTn>
+                                        <p:tgtEl>
+                                          <p:spTgt spid="3">
+                                            <p:txEl>
+                                              <p:pRg st="3" end="3"/>
+                                            </p:txEl>
+                                          </p:spTgt>
+                                        </p:tgtEl>
+                                        <p:attrNameLst>
+                                          <p:attrName>style.visibility</p:attrName>
+                                        </p:attrNameLst>
+                                      </p:cBhvr>
+                                      <p:to>
+                                        <p:strVal val="visible"/>
+                                      </p:to>
+                                    </p:set>
+                                    <p:animEffect transition="in" filter="fade">
+                                      <p:cBhvr>
+                                        <p:cTn id="22" dur="500"/>
+                                        <p:tgtEl>
+                                          <p:spTgt spid="3">
+                                            <p:txEl>
+                                              <p:pRg st="3" end="3"/>
+                                            </p:txEl>
+                                          </p:spTgt>
+                                        </p:tgtEl>
+                                      </p:cBhvr>
+                                    </p:animEffect>
+                                  </p:childTnLst>
+                                </p:cTn>
+                              </p:par>
+                            </p:childTnLst>
+                          </p:cTn>
+                        </p:par>
+                      </p:childTnLst>
+                    </p:cTn>
+                  </p:par>
+                  <p:par>
+                    <p:cTn id="23" fill="hold">
+                      <p:stCondLst>
+                        <p:cond delay="indefinite"/>
+                      </p:stCondLst>
+                      <p:childTnLst>
+                        <p:par>
+                          <p:cTn id="24" fill="hold">
+                            <p:stCondLst>
+                              <p:cond delay="0"/>
+                            </p:stCondLst>
+                            <p:childTnLst>
+                              <p:par>
+                                <p:cTn id="25" presetID="10" presetClass="entr" presetSubtype="0" fill="hold" grpId="0" nodeType="clickEffect">
+                                  <p:stCondLst>
+                                    <p:cond delay="0"/>
+                                  </p:stCondLst>
+                                  <p:childTnLst>
+                                    <p:set>
+                                      <p:cBhvr>
+                                        <p:cTn id="26" dur="1" fill="hold">
+                                          <p:stCondLst>
+                                            <p:cond delay="0"/>
+                                          </p:stCondLst>
+                                        </p:cTn>
+                                        <p:tgtEl>
+                                          <p:spTgt spid="3">
+                                            <p:txEl>
+                                              <p:pRg st="4" end="4"/>
+                                            </p:txEl>
+                                          </p:spTgt>
+                                        </p:tgtEl>
+                                        <p:attrNameLst>
+                                          <p:attrName>style.visibility</p:attrName>
+                                        </p:attrNameLst>
+                                      </p:cBhvr>
+                                      <p:to>
+                                        <p:strVal val="visible"/>
+                                      </p:to>
+                                    </p:set>
+                                    <p:animEffect transition="in" filter="fade">
+                                      <p:cBhvr>
+                                        <p:cTn id="27" dur="500"/>
+                                        <p:tgtEl>
+                                          <p:spTgt spid="3">
+                                            <p:txEl>
+                                              <p:pRg st="4" end="4"/>
+                                            </p:txEl>
+                                          </p:spTgt>
+                                        </p:tgtEl>
+                                      </p:cBhvr>
+                                    </p:animEffect>
+                                  </p:childTnLst>
+                                </p:cTn>
+                              </p:par>
+                            </p:childTnLst>
+                          </p:cTn>
+                        </p:par>
+                      </p:childTnLst>
+                    </p:cTn>
+                  </p:par>
+                  <p:par>
+                    <p:cTn id="28" fill="hold">
+                      <p:stCondLst>
+                        <p:cond delay="indefinite"/>
+                      </p:stCondLst>
+                      <p:childTnLst>
+                        <p:par>
+                          <p:cTn id="29" fill="hold">
+                            <p:stCondLst>
+                              <p:cond delay="0"/>
+                            </p:stCondLst>
+                            <p:childTnLst>
+                              <p:par>
+                                <p:cTn id="30" presetID="10" presetClass="entr" presetSubtype="0" fill="hold" grpId="0" nodeType="clickEffect">
+                                  <p:stCondLst>
+                                    <p:cond delay="0"/>
+                                  </p:stCondLst>
+                                  <p:childTnLst>
+                                    <p:set>
+                                      <p:cBhvr>
+                                        <p:cTn id="31" dur="1" fill="hold">
+                                          <p:stCondLst>
+                                            <p:cond delay="0"/>
+                                          </p:stCondLst>
+                                        </p:cTn>
+                                        <p:tgtEl>
+                                          <p:spTgt spid="3">
+                                            <p:txEl>
+                                              <p:pRg st="5" end="5"/>
+                                            </p:txEl>
+                                          </p:spTgt>
+                                        </p:tgtEl>
+                                        <p:attrNameLst>
+                                          <p:attrName>style.visibility</p:attrName>
+                                        </p:attrNameLst>
+                                      </p:cBhvr>
+                                      <p:to>
+                                        <p:strVal val="visible"/>
+                                      </p:to>
+                                    </p:set>
+                                    <p:animEffect transition="in" filter="fade">
+                                      <p:cBhvr>
+                                        <p:cTn id="32" dur="500"/>
+                                        <p:tgtEl>
+                                          <p:spTgt spid="3">
+                                            <p:txEl>
+                                              <p:pRg st="5" end="5"/>
+                                            </p:txEl>
+                                          </p:spTgt>
+                                        </p:tgtEl>
+                                      </p:cBhvr>
+                                    </p:animEffect>
+                                  </p:childTnLst>
+                                </p:cTn>
+                              </p:par>
+                            </p:childTnLst>
+                          </p:cTn>
+                        </p:par>
+                      </p:childTnLst>
+                    </p:cTn>
+                  </p:par>
+                  <p:par>
+                    <p:cTn id="33" fill="hold">
+                      <p:stCondLst>
+                        <p:cond delay="indefinite"/>
+                      </p:stCondLst>
+                      <p:childTnLst>
+                        <p:par>
+                          <p:cTn id="34" fill="hold">
+                            <p:stCondLst>
+                              <p:cond delay="0"/>
+                            </p:stCondLst>
+                            <p:childTnLst>
+                              <p:par>
+                                <p:cTn id="35" presetID="10" presetClass="entr" presetSubtype="0" fill="hold" grpId="0" nodeType="clickEffect">
+                                  <p:stCondLst>
+                                    <p:cond delay="0"/>
+                                  </p:stCondLst>
+                                  <p:childTnLst>
+                                    <p:set>
+                                      <p:cBhvr>
+                                        <p:cTn id="36" dur="1" fill="hold">
+                                          <p:stCondLst>
+                                            <p:cond delay="0"/>
+                                          </p:stCondLst>
+                                        </p:cTn>
+                                        <p:tgtEl>
+                                          <p:spTgt spid="3">
+                                            <p:txEl>
+                                              <p:pRg st="6" end="6"/>
+                                            </p:txEl>
+                                          </p:spTgt>
+                                        </p:tgtEl>
+                                        <p:attrNameLst>
+                                          <p:attrName>style.visibility</p:attrName>
+                                        </p:attrNameLst>
+                                      </p:cBhvr>
+                                      <p:to>
+                                        <p:strVal val="visible"/>
+                                      </p:to>
+                                    </p:set>
+                                    <p:animEffect transition="in" filter="fade">
+                                      <p:cBhvr>
+                                        <p:cTn id="37" dur="500"/>
+                                        <p:tgtEl>
+                                          <p:spTgt spid="3">
+                                            <p:txEl>
+                                              <p:pRg st="6" end="6"/>
+                                            </p:txEl>
+                                          </p:spTgt>
+                                        </p:tgtEl>
+                                      </p:cBhvr>
+                                    </p:animEffect>
+                                  </p:childTnLst>
+                                </p:cTn>
+                              </p:par>
+                            </p:childTnLst>
+                          </p:cTn>
+                        </p:par>
+                      </p:childTnLst>
+                    </p:cTn>
+                  </p:par>
+                </p:childTnLst>
+              </p:cTn>
+              <p:prevCondLst>
+                <p:cond evt="onPrev" delay="0">
+                  <p:tgtEl>
+                    <p:sldTgt/>
+                  </p:tgtEl>
+                </p:cond>
+              </p:prevCondLst>
+              <p:nextCondLst>
+                <p:cond evt="onNext" delay="0">
+                  <p:tgtEl>
+                    <p:sldTgt/>
+                  </p:tgtEl>
+                </p:cond>
+              </p:nextCondLst>
+            </p:seq>
+          </p:childTnLst>
+        </p:cTn>
+      </p:par>
+    </p:tnLst>
+    <p:bldLst>
+      <p:bldP spid="3" grpId="0" build="p"/>
+    </p:bldLst>
+  </p:timing>
+</p:sld>
+</file>
+
+<file path=ppt/slides/slide16.xml><?xml version="1.0" encoding="utf-8"?>
+<p:sld xmlns:a="http://schemas.openxmlformats.org/drawingml/2006/main" xmlns:r="http://schemas.openxmlformats.org/officeDocument/2006/relationships" xmlns:p="http://schemas.openxmlformats.org/presentationml/2006/main">
+  <p:cSld>
+    <p:spTree>
+      <p:nvGrpSpPr>
+        <p:cNvPr id="1" name=""/>
+        <p:cNvGrpSpPr/>
+        <p:nvPr/>
+      </p:nvGrpSpPr>
+      <p:grpSpPr>
+        <a:xfrm>
+          <a:off x="0" y="0"/>
+          <a:ext cx="0" cy="0"/>
+          <a:chOff x="0" y="0"/>
+          <a:chExt cx="0" cy="0"/>
+        </a:xfrm>
+      </p:grpSpPr>
+      <p:sp>
+        <p:nvSpPr>
+          <p:cNvPr id="2" name="Titel 1"/>
+          <p:cNvSpPr>
+            <a:spLocks noGrp="1"/>
+          </p:cNvSpPr>
+          <p:nvPr>
+            <p:ph type="title"/>
+          </p:nvPr>
+        </p:nvSpPr>
+        <p:spPr/>
+        <p:txBody>
+          <a:bodyPr/>
+          <a:lstStyle/>
+          <a:p>
+            <a:r>
+              <a:rPr lang="de-AT" dirty="0" smtClean="0"/>
+              <a:t>Semantische HTML Tags</a:t>
+            </a:r>
+            <a:endParaRPr lang="en-US" dirty="0"/>
+          </a:p>
+        </p:txBody>
+      </p:sp>
+      <p:sp>
+        <p:nvSpPr>
+          <p:cNvPr id="3" name="Inhaltsplatzhalter 2"/>
+          <p:cNvSpPr>
+            <a:spLocks noGrp="1"/>
+          </p:cNvSpPr>
+          <p:nvPr>
+            <p:ph idx="1"/>
+          </p:nvPr>
+        </p:nvSpPr>
+        <p:spPr>
+          <a:xfrm>
+            <a:off x="868489" y="1833465"/>
+            <a:ext cx="7379736" cy="4137259"/>
+          </a:xfrm>
+        </p:spPr>
+        <p:txBody>
+          <a:bodyPr>
+            <a:normAutofit fontScale="92500" lnSpcReduction="20000"/>
+          </a:bodyPr>
+          <a:lstStyle/>
+          <a:p>
+            <a:r>
+              <a:rPr lang="de-DE" b="1" dirty="0"/>
+              <a:t>Klarere Struktur und Bedeutung:</a:t>
+            </a:r>
+            <a:r>
+              <a:rPr lang="de-DE" dirty="0"/>
+              <a:t> </a:t>
+            </a:r>
+            <a:r>
+              <a:rPr lang="de-DE" dirty="0" smtClean="0"/>
+              <a:t/>
+            </a:r>
+            <a:br>
+              <a:rPr lang="de-DE" dirty="0" smtClean="0"/>
+            </a:br>
+            <a:r>
+              <a:rPr lang="de-DE" sz="1700" dirty="0" smtClean="0"/>
+              <a:t>Sie </a:t>
+            </a:r>
+            <a:r>
+              <a:rPr lang="de-DE" sz="1700" dirty="0"/>
+              <a:t>beschreiben den Inhalt genauer und machen deutlich, welche Rolle verschiedene Teile des Dokuments spielen. Dies erleichtert es Entwicklern und Suchmaschinen, den Inhalt zu verstehen und richtig zu interpretieren.</a:t>
+            </a:r>
+          </a:p>
+          <a:p>
+            <a:r>
+              <a:rPr lang="de-DE" b="1" dirty="0"/>
+              <a:t>Barrierefreiheit und Zugänglichkeit:</a:t>
+            </a:r>
+            <a:r>
+              <a:rPr lang="de-DE" dirty="0"/>
+              <a:t> </a:t>
+            </a:r>
+            <a:r>
+              <a:rPr lang="de-DE" dirty="0" smtClean="0"/>
+              <a:t/>
+            </a:r>
+            <a:br>
+              <a:rPr lang="de-DE" dirty="0" smtClean="0"/>
+            </a:br>
+            <a:r>
+              <a:rPr lang="de-DE" sz="1700" dirty="0" smtClean="0"/>
+              <a:t>Bildschirmlesegeräte </a:t>
+            </a:r>
+            <a:r>
+              <a:rPr lang="de-DE" sz="1700" dirty="0"/>
+              <a:t>und andere </a:t>
+            </a:r>
+            <a:r>
+              <a:rPr lang="de-DE" sz="1700" dirty="0" err="1"/>
+              <a:t>assistive</a:t>
+            </a:r>
+            <a:r>
+              <a:rPr lang="de-DE" sz="1700" dirty="0"/>
+              <a:t> Technologien können semantische Tags verwenden, um den Inhalt sinnvoll vorzulesen. Dies ist besonders wichtig für Menschen mit Behinderungen, die auf solche Technologien angewiesen sind.</a:t>
+            </a:r>
+          </a:p>
+          <a:p>
+            <a:r>
+              <a:rPr lang="de-DE" b="1" dirty="0"/>
+              <a:t>SEO-Vorteile:</a:t>
+            </a:r>
+            <a:r>
+              <a:rPr lang="de-DE" dirty="0"/>
+              <a:t> </a:t>
+            </a:r>
+            <a:r>
+              <a:rPr lang="de-DE" dirty="0" smtClean="0"/>
+              <a:t/>
+            </a:r>
+            <a:br>
+              <a:rPr lang="de-DE" dirty="0" smtClean="0"/>
+            </a:br>
+            <a:r>
+              <a:rPr lang="de-DE" sz="1700" dirty="0" smtClean="0"/>
+              <a:t>Suchmaschinen </a:t>
+            </a:r>
+            <a:r>
+              <a:rPr lang="de-DE" sz="1700" dirty="0"/>
+              <a:t>wie Google bewerten Webseiten besser, wenn semantische Tags verwendet werden. Dies kann dazu beitragen, dass Ihre Webseite in den Suchergebnissen höher gerankt wird, da Suchmaschinen den Inhalt besser verstehen und interpretieren können.</a:t>
+            </a:r>
+          </a:p>
+          <a:p>
+            <a:endParaRPr lang="en-US" dirty="0"/>
+          </a:p>
+        </p:txBody>
+      </p:sp>
+      <p:pic>
+        <p:nvPicPr>
+          <p:cNvPr id="4" name="Grafik 3"/>
+          <p:cNvPicPr>
+            <a:picLocks noChangeAspect="1"/>
+          </p:cNvPicPr>
+          <p:nvPr/>
+        </p:nvPicPr>
+        <p:blipFill>
+          <a:blip r:embed="rId2"/>
+          <a:stretch>
+            <a:fillRect/>
+          </a:stretch>
+        </p:blipFill>
+        <p:spPr>
+          <a:xfrm>
+            <a:off x="8248225" y="1833465"/>
+            <a:ext cx="3491282" cy="3891922"/>
+          </a:xfrm>
+          <a:prstGeom prst="rect">
+            <a:avLst/>
+          </a:prstGeom>
+        </p:spPr>
+      </p:pic>
+    </p:spTree>
+    <p:extLst>
+      <p:ext uri="{BB962C8B-B14F-4D97-AF65-F5344CB8AC3E}">
+        <p14:creationId xmlns:p14="http://schemas.microsoft.com/office/powerpoint/2010/main" val="851001279"/>
+      </p:ext>
+    </p:extLst>
+  </p:cSld>
+  <p:clrMapOvr>
+    <a:masterClrMapping/>
+  </p:clrMapOvr>
+  <p:timing>
+    <p:tnLst>
+      <p:par>
+        <p:cTn id="1" dur="indefinite" restart="never" nodeType="tmRoot">
+          <p:childTnLst>
+            <p:seq concurrent="1" nextAc="seek">
+              <p:cTn id="2" dur="indefinite" nodeType="mainSeq">
+                <p:childTnLst>
+                  <p:par>
+                    <p:cTn id="3" fill="hold">
+                      <p:stCondLst>
+                        <p:cond delay="indefinite"/>
+                      </p:stCondLst>
+                      <p:childTnLst>
+                        <p:par>
+                          <p:cTn id="4" fill="hold">
+                            <p:stCondLst>
+                              <p:cond delay="0"/>
+                            </p:stCondLst>
+                            <p:childTnLst>
+                              <p:par>
+                                <p:cTn id="5" presetID="10" presetClass="entr" presetSubtype="0" fill="hold" grpId="0" nodeType="clickEffect">
+                                  <p:stCondLst>
+                                    <p:cond delay="0"/>
+                                  </p:stCondLst>
+                                  <p:childTnLst>
+                                    <p:set>
+                                      <p:cBhvr>
+                                        <p:cTn id="6" dur="1" fill="hold">
+                                          <p:stCondLst>
+                                            <p:cond delay="0"/>
+                                          </p:stCondLst>
+                                        </p:cTn>
+                                        <p:tgtEl>
+                                          <p:spTgt spid="3">
+                                            <p:txEl>
+                                              <p:pRg st="0" end="0"/>
+                                            </p:txEl>
+                                          </p:spTgt>
+                                        </p:tgtEl>
+                                        <p:attrNameLst>
+                                          <p:attrName>style.visibility</p:attrName>
+                                        </p:attrNameLst>
+                                      </p:cBhvr>
+                                      <p:to>
+                                        <p:strVal val="visible"/>
+                                      </p:to>
+                                    </p:set>
+                                    <p:animEffect transition="in" filter="fade">
+                                      <p:cBhvr>
+                                        <p:cTn id="7" dur="500"/>
+                                        <p:tgtEl>
+                                          <p:spTgt spid="3">
+                                            <p:txEl>
+                                              <p:pRg st="0" end="0"/>
+                                            </p:txEl>
+                                          </p:spTgt>
+                                        </p:tgtEl>
+                                      </p:cBhvr>
+                                    </p:animEffect>
+                                  </p:childTnLst>
+                                </p:cTn>
+                              </p:par>
+                            </p:childTnLst>
+                          </p:cTn>
+                        </p:par>
+                      </p:childTnLst>
+                    </p:cTn>
+                  </p:par>
+                  <p:par>
+                    <p:cTn id="8" fill="hold">
+                      <p:stCondLst>
+                        <p:cond delay="indefinite"/>
+                      </p:stCondLst>
+                      <p:childTnLst>
+                        <p:par>
+                          <p:cTn id="9" fill="hold">
+                            <p:stCondLst>
+                              <p:cond delay="0"/>
+                            </p:stCondLst>
+                            <p:childTnLst>
+                              <p:par>
+                                <p:cTn id="10" presetID="10" presetClass="entr" presetSubtype="0" fill="hold" grpId="0" nodeType="clickEffect">
+                                  <p:stCondLst>
+                                    <p:cond delay="0"/>
+                                  </p:stCondLst>
+                                  <p:childTnLst>
+                                    <p:set>
+                                      <p:cBhvr>
+                                        <p:cTn id="11" dur="1" fill="hold">
+                                          <p:stCondLst>
+                                            <p:cond delay="0"/>
+                                          </p:stCondLst>
+                                        </p:cTn>
+                                        <p:tgtEl>
+                                          <p:spTgt spid="3">
+                                            <p:txEl>
+                                              <p:pRg st="1" end="1"/>
+                                            </p:txEl>
+                                          </p:spTgt>
+                                        </p:tgtEl>
+                                        <p:attrNameLst>
+                                          <p:attrName>style.visibility</p:attrName>
+                                        </p:attrNameLst>
+                                      </p:cBhvr>
+                                      <p:to>
+                                        <p:strVal val="visible"/>
+                                      </p:to>
+                                    </p:set>
+                                    <p:animEffect transition="in" filter="fade">
+                                      <p:cBhvr>
+                                        <p:cTn id="12" dur="500"/>
+                                        <p:tgtEl>
+                                          <p:spTgt spid="3">
+                                            <p:txEl>
+                                              <p:pRg st="1" end="1"/>
+                                            </p:txEl>
+                                          </p:spTgt>
+                                        </p:tgtEl>
+                                      </p:cBhvr>
+                                    </p:animEffect>
+                                  </p:childTnLst>
+                                </p:cTn>
+                              </p:par>
+                            </p:childTnLst>
+                          </p:cTn>
+                        </p:par>
+                      </p:childTnLst>
+                    </p:cTn>
+                  </p:par>
+                  <p:par>
+                    <p:cTn id="13" fill="hold">
+                      <p:stCondLst>
+                        <p:cond delay="indefinite"/>
+                      </p:stCondLst>
+                      <p:childTnLst>
+                        <p:par>
+                          <p:cTn id="14" fill="hold">
+                            <p:stCondLst>
+                              <p:cond delay="0"/>
+                            </p:stCondLst>
+                            <p:childTnLst>
+                              <p:par>
+                                <p:cTn id="15" presetID="10" presetClass="entr" presetSubtype="0" fill="hold" grpId="0" nodeType="clickEffect">
+                                  <p:stCondLst>
+                                    <p:cond delay="0"/>
+                                  </p:stCondLst>
+                                  <p:childTnLst>
+                                    <p:set>
+                                      <p:cBhvr>
+                                        <p:cTn id="16" dur="1" fill="hold">
+                                          <p:stCondLst>
+                                            <p:cond delay="0"/>
+                                          </p:stCondLst>
+                                        </p:cTn>
+                                        <p:tgtEl>
+                                          <p:spTgt spid="3">
+                                            <p:txEl>
+                                              <p:pRg st="2" end="2"/>
+                                            </p:txEl>
+                                          </p:spTgt>
+                                        </p:tgtEl>
+                                        <p:attrNameLst>
+                                          <p:attrName>style.visibility</p:attrName>
+                                        </p:attrNameLst>
+                                      </p:cBhvr>
+                                      <p:to>
+                                        <p:strVal val="visible"/>
+                                      </p:to>
+                                    </p:set>
+                                    <p:animEffect transition="in" filter="fade">
+                                      <p:cBhvr>
+                                        <p:cTn id="17" dur="500"/>
+                                        <p:tgtEl>
+                                          <p:spTgt spid="3">
+                                            <p:txEl>
+                                              <p:pRg st="2" end="2"/>
+                                            </p:txEl>
+                                          </p:spTgt>
+                                        </p:tgtEl>
+                                      </p:cBhvr>
+                                    </p:animEffect>
+                                  </p:childTnLst>
+                                </p:cTn>
+                              </p:par>
+                            </p:childTnLst>
+                          </p:cTn>
+                        </p:par>
+                      </p:childTnLst>
+                    </p:cTn>
+                  </p:par>
+                </p:childTnLst>
+              </p:cTn>
+              <p:prevCondLst>
+                <p:cond evt="onPrev" delay="0">
+                  <p:tgtEl>
+                    <p:sldTgt/>
+                  </p:tgtEl>
+                </p:cond>
+              </p:prevCondLst>
+              <p:nextCondLst>
+                <p:cond evt="onNext" delay="0">
+                  <p:tgtEl>
+                    <p:sldTgt/>
+                  </p:tgtEl>
+                </p:cond>
+              </p:nextCondLst>
+            </p:seq>
+          </p:childTnLst>
+        </p:cTn>
+      </p:par>
+    </p:tnLst>
+    <p:bldLst>
+      <p:bldP spid="3" grpId="0" build="p"/>
+    </p:bldLst>
+  </p:timing>
+</p:sld>
+</file>
+
+<file path=ppt/slides/slide17.xml><?xml version="1.0" encoding="utf-8"?>
+<p:sld xmlns:a="http://schemas.openxmlformats.org/drawingml/2006/main" xmlns:r="http://schemas.openxmlformats.org/officeDocument/2006/relationships" xmlns:p="http://schemas.openxmlformats.org/presentationml/2006/main">
+  <p:cSld>
+    <p:spTree>
+      <p:nvGrpSpPr>
+        <p:cNvPr id="1" name=""/>
+        <p:cNvGrpSpPr/>
+        <p:nvPr/>
+      </p:nvGrpSpPr>
+      <p:grpSpPr>
+        <a:xfrm>
+          <a:off x="0" y="0"/>
+          <a:ext cx="0" cy="0"/>
+          <a:chOff x="0" y="0"/>
+          <a:chExt cx="0" cy="0"/>
+        </a:xfrm>
+      </p:grpSpPr>
+      <p:sp>
+        <p:nvSpPr>
+          <p:cNvPr id="2" name="Titel 1"/>
+          <p:cNvSpPr>
+            <a:spLocks noGrp="1"/>
+          </p:cNvSpPr>
+          <p:nvPr>
+            <p:ph type="title"/>
+          </p:nvPr>
+        </p:nvSpPr>
+        <p:spPr/>
+        <p:txBody>
+          <a:bodyPr/>
+          <a:lstStyle/>
+          <a:p>
+            <a:r>
+              <a:rPr lang="de-AT" dirty="0" smtClean="0"/>
+              <a:t>HTML Übung „</a:t>
+            </a:r>
+            <a:r>
+              <a:rPr lang="de-AT" dirty="0" err="1"/>
+              <a:t>M</a:t>
+            </a:r>
+            <a:r>
+              <a:rPr lang="de-AT" dirty="0" err="1" smtClean="0"/>
+              <a:t>y</a:t>
+            </a:r>
+            <a:r>
+              <a:rPr lang="de-AT" dirty="0" smtClean="0"/>
+              <a:t> Personal </a:t>
+            </a:r>
+            <a:r>
+              <a:rPr lang="de-AT" dirty="0" err="1" smtClean="0"/>
+              <a:t>IMDb</a:t>
+            </a:r>
+            <a:r>
+              <a:rPr lang="de-AT" dirty="0" smtClean="0"/>
+              <a:t>“</a:t>
+            </a:r>
+            <a:endParaRPr lang="en-US" dirty="0"/>
+          </a:p>
+        </p:txBody>
+      </p:sp>
+      <p:sp>
+        <p:nvSpPr>
+          <p:cNvPr id="3" name="Inhaltsplatzhalter 2"/>
+          <p:cNvSpPr>
+            <a:spLocks noGrp="1"/>
+          </p:cNvSpPr>
+          <p:nvPr>
+            <p:ph idx="1"/>
+          </p:nvPr>
+        </p:nvSpPr>
+        <p:spPr/>
+        <p:txBody>
+          <a:bodyPr>
+            <a:normAutofit lnSpcReduction="10000"/>
+          </a:bodyPr>
+          <a:lstStyle/>
+          <a:p>
+            <a:r>
+              <a:rPr lang="de-AT" dirty="0" smtClean="0"/>
+              <a:t>Erstelle eine Tabelle mit den TOP 5 der besten Filme aller Zeiten</a:t>
+            </a:r>
+          </a:p>
+          <a:p>
+            <a:r>
+              <a:rPr lang="de-AT" dirty="0" smtClean="0"/>
+              <a:t>Die Tabelle sollte folgende Spalten beinhalten</a:t>
+            </a:r>
+          </a:p>
+          <a:p>
+            <a:pPr lvl="1"/>
+            <a:r>
+              <a:rPr lang="de-AT" dirty="0" smtClean="0"/>
+              <a:t>Filmtitel (ersten 3 Plätze mit Link zu Detailseite)</a:t>
+            </a:r>
+          </a:p>
+          <a:p>
+            <a:pPr lvl="1"/>
+            <a:r>
+              <a:rPr lang="de-AT" dirty="0" smtClean="0"/>
+              <a:t>Genre</a:t>
+            </a:r>
+          </a:p>
+          <a:p>
+            <a:pPr lvl="1"/>
+            <a:r>
+              <a:rPr lang="de-AT" dirty="0" smtClean="0"/>
+              <a:t>Regisseur</a:t>
+            </a:r>
+          </a:p>
+          <a:p>
+            <a:pPr lvl="1"/>
+            <a:r>
+              <a:rPr lang="de-AT" dirty="0" smtClean="0"/>
+              <a:t>Erscheinungsjahr</a:t>
+            </a:r>
+            <a:br>
+              <a:rPr lang="de-AT" dirty="0" smtClean="0"/>
+            </a:br>
+            <a:endParaRPr lang="de-AT" dirty="0" smtClean="0"/>
+          </a:p>
+          <a:p>
+            <a:r>
+              <a:rPr lang="de-AT" dirty="0" smtClean="0"/>
+              <a:t>Der Filmtitel verlinkt zu einer Detailseite des Films, in der ein Trailer des Films und eine kurze Zusammenfassung des Films angezeigt wird. Hier bieten sich zusätzlich semantische Tags an.</a:t>
+            </a:r>
+          </a:p>
+          <a:p>
+            <a:r>
+              <a:rPr lang="de-AT" dirty="0">
+                <a:hlinkClick r:id="rId2"/>
+              </a:rPr>
+              <a:t>https://www.imdb.com/search/title/?</a:t>
+            </a:r>
+            <a:r>
+              <a:rPr lang="de-AT" dirty="0" smtClean="0">
+                <a:hlinkClick r:id="rId2"/>
+              </a:rPr>
+              <a:t>groups=top_100&amp;sort=user_rating,desc</a:t>
+            </a:r>
+            <a:r>
+              <a:rPr lang="de-AT" dirty="0" smtClean="0"/>
+              <a:t>  </a:t>
+            </a:r>
+          </a:p>
+          <a:p>
+            <a:pPr lvl="1"/>
+            <a:endParaRPr lang="en-US" dirty="0"/>
+          </a:p>
+        </p:txBody>
+      </p:sp>
+      <p:pic>
+        <p:nvPicPr>
+          <p:cNvPr id="4" name="Grafik 3"/>
+          <p:cNvPicPr>
+            <a:picLocks noChangeAspect="1"/>
+          </p:cNvPicPr>
+          <p:nvPr/>
+        </p:nvPicPr>
+        <p:blipFill rotWithShape="1">
+          <a:blip r:embed="rId3"/>
+          <a:srcRect r="24462"/>
+          <a:stretch/>
+        </p:blipFill>
+        <p:spPr>
+          <a:xfrm>
+            <a:off x="8165065" y="1833465"/>
+            <a:ext cx="3657600" cy="2440448"/>
+          </a:xfrm>
+          <a:prstGeom prst="rect">
+            <a:avLst/>
+          </a:prstGeom>
+        </p:spPr>
+      </p:pic>
+    </p:spTree>
+    <p:extLst>
+      <p:ext uri="{BB962C8B-B14F-4D97-AF65-F5344CB8AC3E}">
+        <p14:creationId xmlns:p14="http://schemas.microsoft.com/office/powerpoint/2010/main" val="110573413"/>
+      </p:ext>
+    </p:extLst>
+  </p:cSld>
+  <p:clrMapOvr>
+    <a:masterClrMapping/>
+  </p:clrMapOvr>
+  <p:timing>
+    <p:tnLst>
+      <p:par>
+        <p:cTn id="1" dur="indefinite" restart="never" nodeType="tmRoot"/>
+      </p:par>
+    </p:tnLst>
+  </p:timing>
+</p:sld>
+</file>
+
+<file path=ppt/slides/slide18.xml><?xml version="1.0" encoding="utf-8"?>
+<p:sld xmlns:a="http://schemas.openxmlformats.org/drawingml/2006/main" xmlns:r="http://schemas.openxmlformats.org/officeDocument/2006/relationships" xmlns:p="http://schemas.openxmlformats.org/presentationml/2006/main">
+  <p:cSld>
+    <p:spTree>
+      <p:nvGrpSpPr>
+        <p:cNvPr id="1" name=""/>
+        <p:cNvGrpSpPr/>
+        <p:nvPr/>
+      </p:nvGrpSpPr>
+      <p:grpSpPr>
+        <a:xfrm>
+          <a:off x="0" y="0"/>
+          <a:ext cx="0" cy="0"/>
+          <a:chOff x="0" y="0"/>
+          <a:chExt cx="0" cy="0"/>
+        </a:xfrm>
+      </p:grpSpPr>
+      <p:sp>
+        <p:nvSpPr>
+          <p:cNvPr id="2" name="Titel 1"/>
+          <p:cNvSpPr>
+            <a:spLocks noGrp="1"/>
+          </p:cNvSpPr>
+          <p:nvPr>
+            <p:ph type="title"/>
+          </p:nvPr>
+        </p:nvSpPr>
+        <p:spPr>
+          <a:xfrm>
+            <a:off x="2089445" y="803452"/>
+            <a:ext cx="9378304" cy="1222765"/>
+          </a:xfrm>
+        </p:spPr>
+        <p:txBody>
+          <a:bodyPr/>
+          <a:lstStyle/>
+          <a:p>
+            <a:r>
+              <a:rPr lang="de-AT" dirty="0"/>
+              <a:t> </a:t>
+            </a:r>
+            <a:r>
+              <a:rPr lang="de-AT" dirty="0" smtClean="0"/>
+              <a:t>            vs.            Elemente</a:t>
+            </a:r>
+            <a:endParaRPr lang="en-US" dirty="0"/>
+          </a:p>
+        </p:txBody>
+      </p:sp>
+      <p:sp>
+        <p:nvSpPr>
+          <p:cNvPr id="4" name="Textplatzhalter 3"/>
+          <p:cNvSpPr>
+            <a:spLocks noGrp="1"/>
+          </p:cNvSpPr>
+          <p:nvPr>
+            <p:ph type="body" idx="1"/>
+          </p:nvPr>
+        </p:nvSpPr>
+        <p:spPr>
+          <a:xfrm>
+            <a:off x="1638300" y="1774088"/>
+            <a:ext cx="4529391" cy="681591"/>
+          </a:xfrm>
+        </p:spPr>
+        <p:txBody>
+          <a:bodyPr/>
+          <a:lstStyle/>
+          <a:p>
+            <a:r>
+              <a:rPr lang="de-AT" dirty="0" smtClean="0"/>
+              <a:t>Inline Elemente</a:t>
+            </a:r>
+            <a:endParaRPr lang="en-US" dirty="0"/>
+          </a:p>
+        </p:txBody>
+      </p:sp>
+      <p:sp>
+        <p:nvSpPr>
+          <p:cNvPr id="5" name="Inhaltsplatzhalter 4"/>
+          <p:cNvSpPr>
+            <a:spLocks noGrp="1"/>
+          </p:cNvSpPr>
+          <p:nvPr>
+            <p:ph sz="half" idx="2"/>
+          </p:nvPr>
+        </p:nvSpPr>
+        <p:spPr>
+          <a:xfrm>
+            <a:off x="1392572" y="2488346"/>
+            <a:ext cx="4775119" cy="3870509"/>
+          </a:xfrm>
+        </p:spPr>
+        <p:txBody>
+          <a:bodyPr>
+            <a:normAutofit fontScale="85000" lnSpcReduction="10000"/>
+          </a:bodyPr>
+          <a:lstStyle/>
+          <a:p>
+            <a:r>
+              <a:rPr lang="de-DE" b="1" dirty="0"/>
+              <a:t>Inline-Elemente sind innerhalb von Textblöcken eingebettet</a:t>
+            </a:r>
+            <a:r>
+              <a:rPr lang="de-DE" dirty="0"/>
+              <a:t>: Inline-Elemente sind HTML-Elemente, die inmitten von Text oder anderen Inline-Elementen platziert werden können, ohne einen Zeilenumbruch zu erzwingen. </a:t>
+            </a:r>
+            <a:r>
+              <a:rPr lang="de-DE" dirty="0" smtClean="0"/>
+              <a:t/>
+            </a:r>
+            <a:br>
+              <a:rPr lang="de-DE" dirty="0" smtClean="0"/>
+            </a:br>
+            <a:endParaRPr lang="de-DE" dirty="0" smtClean="0"/>
+          </a:p>
+          <a:p>
+            <a:r>
+              <a:rPr lang="de-DE" b="1" dirty="0" smtClean="0"/>
+              <a:t>Sie </a:t>
+            </a:r>
+            <a:r>
+              <a:rPr lang="de-DE" b="1" dirty="0"/>
+              <a:t>nehmen nur so viel Platz wie notwendig ein</a:t>
+            </a:r>
+            <a:r>
+              <a:rPr lang="de-DE" dirty="0"/>
+              <a:t>: </a:t>
+            </a:r>
+            <a:r>
+              <a:rPr lang="de-DE" dirty="0" smtClean="0"/>
+              <a:t/>
+            </a:r>
+            <a:br>
+              <a:rPr lang="de-DE" dirty="0" smtClean="0"/>
+            </a:br>
+            <a:r>
+              <a:rPr lang="de-DE" dirty="0" smtClean="0"/>
+              <a:t>Sie </a:t>
+            </a:r>
+            <a:r>
+              <a:rPr lang="de-DE" dirty="0"/>
+              <a:t>erstrecken sich horizontal und reihen sich nebeneinander, solange genügend Platz vorhanden ist, bevor sie zur nächsten Zeile wechseln</a:t>
+            </a:r>
+            <a:r>
+              <a:rPr lang="de-DE" dirty="0" smtClean="0"/>
+              <a:t>.</a:t>
+            </a:r>
+            <a:br>
+              <a:rPr lang="de-DE" dirty="0" smtClean="0"/>
+            </a:br>
+            <a:endParaRPr lang="de-DE" dirty="0"/>
+          </a:p>
+          <a:p>
+            <a:r>
+              <a:rPr lang="de-DE" b="1" dirty="0"/>
+              <a:t>Beispiele für Inline-Elemente sind</a:t>
+            </a:r>
+            <a:r>
+              <a:rPr lang="de-DE" dirty="0"/>
+              <a:t>: &lt;a&gt;, &lt;strong&gt;, &lt;</a:t>
+            </a:r>
+            <a:r>
+              <a:rPr lang="de-DE" dirty="0" err="1"/>
+              <a:t>em</a:t>
+            </a:r>
+            <a:r>
+              <a:rPr lang="de-DE" dirty="0"/>
+              <a:t>&gt;, &lt;span&gt;, &lt;</a:t>
+            </a:r>
+            <a:r>
+              <a:rPr lang="de-DE" dirty="0" err="1"/>
+              <a:t>img</a:t>
+            </a:r>
+            <a:r>
+              <a:rPr lang="de-DE" dirty="0"/>
+              <a:t>&gt;, &lt;</a:t>
+            </a:r>
+            <a:r>
+              <a:rPr lang="de-DE" dirty="0" err="1"/>
+              <a:t>br</a:t>
+            </a:r>
+            <a:r>
+              <a:rPr lang="de-DE" dirty="0" smtClean="0"/>
+              <a:t>&gt;</a:t>
+            </a:r>
+            <a:endParaRPr lang="en-US" dirty="0"/>
+          </a:p>
+        </p:txBody>
+      </p:sp>
+      <p:sp>
+        <p:nvSpPr>
+          <p:cNvPr id="6" name="Textplatzhalter 5"/>
+          <p:cNvSpPr>
+            <a:spLocks noGrp="1"/>
+          </p:cNvSpPr>
+          <p:nvPr>
+            <p:ph type="body" sz="quarter" idx="3"/>
+          </p:nvPr>
+        </p:nvSpPr>
+        <p:spPr>
+          <a:xfrm>
+            <a:off x="6742147" y="1774088"/>
+            <a:ext cx="4529391" cy="681591"/>
+          </a:xfrm>
+        </p:spPr>
+        <p:txBody>
+          <a:bodyPr/>
+          <a:lstStyle/>
+          <a:p>
+            <a:r>
+              <a:rPr lang="de-AT" dirty="0" smtClean="0"/>
+              <a:t>Block Elemente</a:t>
+            </a:r>
+            <a:endParaRPr lang="en-US" dirty="0"/>
+          </a:p>
+        </p:txBody>
+      </p:sp>
+      <p:sp>
+        <p:nvSpPr>
+          <p:cNvPr id="7" name="Inhaltsplatzhalter 6"/>
+          <p:cNvSpPr>
+            <a:spLocks noGrp="1"/>
+          </p:cNvSpPr>
+          <p:nvPr>
+            <p:ph sz="quarter" idx="4"/>
+          </p:nvPr>
+        </p:nvSpPr>
+        <p:spPr>
+          <a:xfrm>
+            <a:off x="6487212" y="2488346"/>
+            <a:ext cx="4980537" cy="4109595"/>
+          </a:xfrm>
+        </p:spPr>
+        <p:txBody>
+          <a:bodyPr>
+            <a:noAutofit/>
+          </a:bodyPr>
+          <a:lstStyle/>
+          <a:p>
+            <a:r>
+              <a:rPr lang="de-DE" sz="1600" b="1" dirty="0"/>
+              <a:t>Block-Elemente erzwingen Zeilenumbrüche</a:t>
+            </a:r>
+            <a:r>
+              <a:rPr lang="de-DE" sz="1600" dirty="0"/>
+              <a:t>: </a:t>
+            </a:r>
+            <a:br>
+              <a:rPr lang="de-DE" sz="1600" dirty="0"/>
+            </a:br>
+            <a:r>
+              <a:rPr lang="de-DE" sz="1600" dirty="0" smtClean="0"/>
+              <a:t>Block-Elemente nehmen </a:t>
+            </a:r>
+            <a:r>
+              <a:rPr lang="de-DE" sz="1600" dirty="0"/>
+              <a:t>die gesamte verfügbare Breite ihres Elternelements ein und erzwingen einen Zeilenumbruch danach</a:t>
+            </a:r>
+            <a:r>
+              <a:rPr lang="de-DE" sz="1600" dirty="0" smtClean="0"/>
+              <a:t>.</a:t>
+            </a:r>
+            <a:br>
+              <a:rPr lang="de-DE" sz="1600" dirty="0" smtClean="0"/>
+            </a:br>
+            <a:endParaRPr lang="de-DE" sz="1600" dirty="0"/>
+          </a:p>
+          <a:p>
+            <a:r>
+              <a:rPr lang="de-DE" sz="1600" b="1" dirty="0"/>
+              <a:t>Sie werden oft für strukturelle Elemente verwendet</a:t>
+            </a:r>
+            <a:r>
+              <a:rPr lang="de-DE" sz="1600" dirty="0"/>
+              <a:t>: Block-Elemente werden häufig verwendet, um strukturelle Teile einer HTML-Seite zu </a:t>
+            </a:r>
+            <a:r>
+              <a:rPr lang="de-DE" sz="1600" dirty="0" smtClean="0"/>
+              <a:t>definieren</a:t>
+            </a:r>
+            <a:br>
+              <a:rPr lang="de-DE" sz="1600" dirty="0" smtClean="0"/>
+            </a:br>
+            <a:r>
+              <a:rPr lang="de-DE" sz="1600" dirty="0" smtClean="0"/>
+              <a:t> </a:t>
+            </a:r>
+          </a:p>
+          <a:p>
+            <a:r>
+              <a:rPr lang="de-DE" sz="1600" b="1" dirty="0" smtClean="0"/>
+              <a:t>Beispiele </a:t>
+            </a:r>
+            <a:r>
+              <a:rPr lang="de-DE" sz="1600" b="1" dirty="0"/>
+              <a:t>für Block-Elemente sind</a:t>
+            </a:r>
+            <a:r>
+              <a:rPr lang="de-DE" sz="1600" dirty="0"/>
+              <a:t>: &lt;div&gt;, &lt;p&gt;, &lt;h1&gt;, &lt;</a:t>
+            </a:r>
+            <a:r>
+              <a:rPr lang="de-DE" sz="1600" dirty="0" err="1"/>
+              <a:t>ul</a:t>
+            </a:r>
+            <a:r>
+              <a:rPr lang="de-DE" sz="1600" dirty="0"/>
+              <a:t>&gt;, &lt;li&gt;, &lt;</a:t>
+            </a:r>
+            <a:r>
+              <a:rPr lang="de-DE" sz="1600" dirty="0" err="1"/>
+              <a:t>table</a:t>
+            </a:r>
+            <a:r>
+              <a:rPr lang="de-DE" sz="1600" dirty="0" smtClean="0"/>
+              <a:t>&gt;.</a:t>
+            </a:r>
+            <a:endParaRPr lang="en-US" sz="1600" dirty="0"/>
+          </a:p>
+        </p:txBody>
+      </p:sp>
+      <p:pic>
+        <p:nvPicPr>
+          <p:cNvPr id="1030" name="Picture 6" descr="Building blocks clipart. Free download transparent .PNG | Creazilla"/>
           <p:cNvPicPr>
             <a:picLocks noChangeAspect="1" noChangeArrowheads="1"/>
           </p:cNvPicPr>
           <p:nvPr/>
         </p:nvPicPr>
         <p:blipFill>
-          <a:blip r:embed="rId2">
+          <a:blip r:embed="rId2" cstate="hqprint">
             <a:extLst>
               <a:ext uri="{28A0092B-C50C-407E-A947-70E740481C1C}">
                 <a14:useLocalDpi xmlns:a14="http://schemas.microsoft.com/office/drawing/2010/main" val="0"/>
@@ -5952,9 +7921,50 @@
           </a:stretch>
         </p:blipFill>
         <p:spPr bwMode="auto">
-          <a:xfrm>
-            <a:off x="5342119" y="3429000"/>
-            <a:ext cx="1507761" cy="1507761"/>
+          <a:xfrm flipH="1">
+            <a:off x="4511790" y="377752"/>
+            <a:ext cx="734593" cy="1492505"/>
+          </a:xfrm>
+          <a:prstGeom prst="rect">
+            <a:avLst/>
+          </a:prstGeom>
+          <a:noFill/>
+          <a:extLst>
+            <a:ext uri="{909E8E84-426E-40DD-AFC4-6F175D3DCCD1}">
+              <a14:hiddenFill xmlns:a14="http://schemas.microsoft.com/office/drawing/2010/main">
+                <a:solidFill>
+                  <a:srgbClr val="FFFFFF"/>
+                </a:solidFill>
+              </a14:hiddenFill>
+            </a:ext>
+          </a:extLst>
+        </p:spPr>
+      </p:pic>
+      <p:pic>
+        <p:nvPicPr>
+          <p:cNvPr id="1034" name="Picture 10" descr="Quipos | Famous characters: La Linea | Line art drawings, Wire art  sculpture, Cartoon tattoos"/>
+          <p:cNvPicPr>
+            <a:picLocks noChangeAspect="1" noChangeArrowheads="1"/>
+          </p:cNvPicPr>
+          <p:nvPr/>
+        </p:nvPicPr>
+        <p:blipFill>
+          <a:blip r:embed="rId3">
+            <a:extLst>
+              <a:ext uri="{28A0092B-C50C-407E-A947-70E740481C1C}">
+                <a14:useLocalDpi xmlns:a14="http://schemas.microsoft.com/office/drawing/2010/main" val="0"/>
+              </a:ext>
+            </a:extLst>
+          </a:blip>
+          <a:srcRect/>
+          <a:stretch>
+            <a:fillRect/>
+          </a:stretch>
+        </p:blipFill>
+        <p:spPr bwMode="auto">
+          <a:xfrm flipH="1">
+            <a:off x="1687430" y="485607"/>
+            <a:ext cx="1707545" cy="1255814"/>
           </a:xfrm>
           <a:prstGeom prst="rect">
             <a:avLst/>
@@ -5974,7 +7984,910 @@
     </p:spTree>
     <p:extLst>
       <p:ext uri="{BB962C8B-B14F-4D97-AF65-F5344CB8AC3E}">
-        <p14:creationId xmlns:p14="http://schemas.microsoft.com/office/powerpoint/2010/main" val="2872145444"/>
+        <p14:creationId xmlns:p14="http://schemas.microsoft.com/office/powerpoint/2010/main" val="307659082"/>
+      </p:ext>
+    </p:extLst>
+  </p:cSld>
+  <p:clrMapOvr>
+    <a:masterClrMapping/>
+  </p:clrMapOvr>
+  <p:timing>
+    <p:tnLst>
+      <p:par>
+        <p:cTn id="1" dur="indefinite" restart="never" nodeType="tmRoot">
+          <p:childTnLst>
+            <p:seq concurrent="1" nextAc="seek">
+              <p:cTn id="2" dur="indefinite" nodeType="mainSeq">
+                <p:childTnLst>
+                  <p:par>
+                    <p:cTn id="3" fill="hold">
+                      <p:stCondLst>
+                        <p:cond delay="indefinite"/>
+                      </p:stCondLst>
+                      <p:childTnLst>
+                        <p:par>
+                          <p:cTn id="4" fill="hold">
+                            <p:stCondLst>
+                              <p:cond delay="0"/>
+                            </p:stCondLst>
+                            <p:childTnLst>
+                              <p:par>
+                                <p:cTn id="5" presetID="10" presetClass="entr" presetSubtype="0" fill="hold" grpId="0" nodeType="clickEffect">
+                                  <p:stCondLst>
+                                    <p:cond delay="0"/>
+                                  </p:stCondLst>
+                                  <p:childTnLst>
+                                    <p:set>
+                                      <p:cBhvr>
+                                        <p:cTn id="6" dur="1" fill="hold">
+                                          <p:stCondLst>
+                                            <p:cond delay="0"/>
+                                          </p:stCondLst>
+                                        </p:cTn>
+                                        <p:tgtEl>
+                                          <p:spTgt spid="4">
+                                            <p:txEl>
+                                              <p:pRg st="0" end="0"/>
+                                            </p:txEl>
+                                          </p:spTgt>
+                                        </p:tgtEl>
+                                        <p:attrNameLst>
+                                          <p:attrName>style.visibility</p:attrName>
+                                        </p:attrNameLst>
+                                      </p:cBhvr>
+                                      <p:to>
+                                        <p:strVal val="visible"/>
+                                      </p:to>
+                                    </p:set>
+                                    <p:animEffect transition="in" filter="fade">
+                                      <p:cBhvr>
+                                        <p:cTn id="7" dur="500"/>
+                                        <p:tgtEl>
+                                          <p:spTgt spid="4">
+                                            <p:txEl>
+                                              <p:pRg st="0" end="0"/>
+                                            </p:txEl>
+                                          </p:spTgt>
+                                        </p:tgtEl>
+                                      </p:cBhvr>
+                                    </p:animEffect>
+                                  </p:childTnLst>
+                                </p:cTn>
+                              </p:par>
+                            </p:childTnLst>
+                          </p:cTn>
+                        </p:par>
+                      </p:childTnLst>
+                    </p:cTn>
+                  </p:par>
+                  <p:par>
+                    <p:cTn id="8" fill="hold">
+                      <p:stCondLst>
+                        <p:cond delay="indefinite"/>
+                      </p:stCondLst>
+                      <p:childTnLst>
+                        <p:par>
+                          <p:cTn id="9" fill="hold">
+                            <p:stCondLst>
+                              <p:cond delay="0"/>
+                            </p:stCondLst>
+                            <p:childTnLst>
+                              <p:par>
+                                <p:cTn id="10" presetID="10" presetClass="entr" presetSubtype="0" fill="hold" grpId="0" nodeType="clickEffect">
+                                  <p:stCondLst>
+                                    <p:cond delay="0"/>
+                                  </p:stCondLst>
+                                  <p:childTnLst>
+                                    <p:set>
+                                      <p:cBhvr>
+                                        <p:cTn id="11" dur="1" fill="hold">
+                                          <p:stCondLst>
+                                            <p:cond delay="0"/>
+                                          </p:stCondLst>
+                                        </p:cTn>
+                                        <p:tgtEl>
+                                          <p:spTgt spid="6">
+                                            <p:txEl>
+                                              <p:pRg st="0" end="0"/>
+                                            </p:txEl>
+                                          </p:spTgt>
+                                        </p:tgtEl>
+                                        <p:attrNameLst>
+                                          <p:attrName>style.visibility</p:attrName>
+                                        </p:attrNameLst>
+                                      </p:cBhvr>
+                                      <p:to>
+                                        <p:strVal val="visible"/>
+                                      </p:to>
+                                    </p:set>
+                                    <p:animEffect transition="in" filter="fade">
+                                      <p:cBhvr>
+                                        <p:cTn id="12" dur="500"/>
+                                        <p:tgtEl>
+                                          <p:spTgt spid="6">
+                                            <p:txEl>
+                                              <p:pRg st="0" end="0"/>
+                                            </p:txEl>
+                                          </p:spTgt>
+                                        </p:tgtEl>
+                                      </p:cBhvr>
+                                    </p:animEffect>
+                                  </p:childTnLst>
+                                </p:cTn>
+                              </p:par>
+                            </p:childTnLst>
+                          </p:cTn>
+                        </p:par>
+                      </p:childTnLst>
+                    </p:cTn>
+                  </p:par>
+                  <p:par>
+                    <p:cTn id="13" fill="hold">
+                      <p:stCondLst>
+                        <p:cond delay="indefinite"/>
+                      </p:stCondLst>
+                      <p:childTnLst>
+                        <p:par>
+                          <p:cTn id="14" fill="hold">
+                            <p:stCondLst>
+                              <p:cond delay="0"/>
+                            </p:stCondLst>
+                            <p:childTnLst>
+                              <p:par>
+                                <p:cTn id="15" presetID="10" presetClass="entr" presetSubtype="0" fill="hold" nodeType="clickEffect">
+                                  <p:stCondLst>
+                                    <p:cond delay="0"/>
+                                  </p:stCondLst>
+                                  <p:childTnLst>
+                                    <p:set>
+                                      <p:cBhvr>
+                                        <p:cTn id="16" dur="1" fill="hold">
+                                          <p:stCondLst>
+                                            <p:cond delay="0"/>
+                                          </p:stCondLst>
+                                        </p:cTn>
+                                        <p:tgtEl>
+                                          <p:spTgt spid="5">
+                                            <p:txEl>
+                                              <p:pRg st="0" end="0"/>
+                                            </p:txEl>
+                                          </p:spTgt>
+                                        </p:tgtEl>
+                                        <p:attrNameLst>
+                                          <p:attrName>style.visibility</p:attrName>
+                                        </p:attrNameLst>
+                                      </p:cBhvr>
+                                      <p:to>
+                                        <p:strVal val="visible"/>
+                                      </p:to>
+                                    </p:set>
+                                    <p:animEffect transition="in" filter="fade">
+                                      <p:cBhvr>
+                                        <p:cTn id="17" dur="500"/>
+                                        <p:tgtEl>
+                                          <p:spTgt spid="5">
+                                            <p:txEl>
+                                              <p:pRg st="0" end="0"/>
+                                            </p:txEl>
+                                          </p:spTgt>
+                                        </p:tgtEl>
+                                      </p:cBhvr>
+                                    </p:animEffect>
+                                  </p:childTnLst>
+                                </p:cTn>
+                              </p:par>
+                              <p:par>
+                                <p:cTn id="18" presetID="10" presetClass="entr" presetSubtype="0" fill="hold" nodeType="withEffect">
+                                  <p:stCondLst>
+                                    <p:cond delay="0"/>
+                                  </p:stCondLst>
+                                  <p:childTnLst>
+                                    <p:set>
+                                      <p:cBhvr>
+                                        <p:cTn id="19" dur="1" fill="hold">
+                                          <p:stCondLst>
+                                            <p:cond delay="0"/>
+                                          </p:stCondLst>
+                                        </p:cTn>
+                                        <p:tgtEl>
+                                          <p:spTgt spid="5">
+                                            <p:txEl>
+                                              <p:pRg st="1" end="1"/>
+                                            </p:txEl>
+                                          </p:spTgt>
+                                        </p:tgtEl>
+                                        <p:attrNameLst>
+                                          <p:attrName>style.visibility</p:attrName>
+                                        </p:attrNameLst>
+                                      </p:cBhvr>
+                                      <p:to>
+                                        <p:strVal val="visible"/>
+                                      </p:to>
+                                    </p:set>
+                                    <p:animEffect transition="in" filter="fade">
+                                      <p:cBhvr>
+                                        <p:cTn id="20" dur="500"/>
+                                        <p:tgtEl>
+                                          <p:spTgt spid="5">
+                                            <p:txEl>
+                                              <p:pRg st="1" end="1"/>
+                                            </p:txEl>
+                                          </p:spTgt>
+                                        </p:tgtEl>
+                                      </p:cBhvr>
+                                    </p:animEffect>
+                                  </p:childTnLst>
+                                </p:cTn>
+                              </p:par>
+                              <p:par>
+                                <p:cTn id="21" presetID="10" presetClass="entr" presetSubtype="0" fill="hold" nodeType="withEffect">
+                                  <p:stCondLst>
+                                    <p:cond delay="0"/>
+                                  </p:stCondLst>
+                                  <p:childTnLst>
+                                    <p:set>
+                                      <p:cBhvr>
+                                        <p:cTn id="22" dur="1" fill="hold">
+                                          <p:stCondLst>
+                                            <p:cond delay="0"/>
+                                          </p:stCondLst>
+                                        </p:cTn>
+                                        <p:tgtEl>
+                                          <p:spTgt spid="5">
+                                            <p:txEl>
+                                              <p:pRg st="2" end="2"/>
+                                            </p:txEl>
+                                          </p:spTgt>
+                                        </p:tgtEl>
+                                        <p:attrNameLst>
+                                          <p:attrName>style.visibility</p:attrName>
+                                        </p:attrNameLst>
+                                      </p:cBhvr>
+                                      <p:to>
+                                        <p:strVal val="visible"/>
+                                      </p:to>
+                                    </p:set>
+                                    <p:animEffect transition="in" filter="fade">
+                                      <p:cBhvr>
+                                        <p:cTn id="23" dur="500"/>
+                                        <p:tgtEl>
+                                          <p:spTgt spid="5">
+                                            <p:txEl>
+                                              <p:pRg st="2" end="2"/>
+                                            </p:txEl>
+                                          </p:spTgt>
+                                        </p:tgtEl>
+                                      </p:cBhvr>
+                                    </p:animEffect>
+                                  </p:childTnLst>
+                                </p:cTn>
+                              </p:par>
+                            </p:childTnLst>
+                          </p:cTn>
+                        </p:par>
+                      </p:childTnLst>
+                    </p:cTn>
+                  </p:par>
+                  <p:par>
+                    <p:cTn id="24" fill="hold">
+                      <p:stCondLst>
+                        <p:cond delay="indefinite"/>
+                      </p:stCondLst>
+                      <p:childTnLst>
+                        <p:par>
+                          <p:cTn id="25" fill="hold">
+                            <p:stCondLst>
+                              <p:cond delay="0"/>
+                            </p:stCondLst>
+                            <p:childTnLst>
+                              <p:par>
+                                <p:cTn id="26" presetID="10" presetClass="entr" presetSubtype="0" fill="hold" nodeType="clickEffect">
+                                  <p:stCondLst>
+                                    <p:cond delay="0"/>
+                                  </p:stCondLst>
+                                  <p:childTnLst>
+                                    <p:set>
+                                      <p:cBhvr>
+                                        <p:cTn id="27" dur="1" fill="hold">
+                                          <p:stCondLst>
+                                            <p:cond delay="0"/>
+                                          </p:stCondLst>
+                                        </p:cTn>
+                                        <p:tgtEl>
+                                          <p:spTgt spid="7">
+                                            <p:txEl>
+                                              <p:pRg st="0" end="0"/>
+                                            </p:txEl>
+                                          </p:spTgt>
+                                        </p:tgtEl>
+                                        <p:attrNameLst>
+                                          <p:attrName>style.visibility</p:attrName>
+                                        </p:attrNameLst>
+                                      </p:cBhvr>
+                                      <p:to>
+                                        <p:strVal val="visible"/>
+                                      </p:to>
+                                    </p:set>
+                                    <p:animEffect transition="in" filter="fade">
+                                      <p:cBhvr>
+                                        <p:cTn id="28" dur="500"/>
+                                        <p:tgtEl>
+                                          <p:spTgt spid="7">
+                                            <p:txEl>
+                                              <p:pRg st="0" end="0"/>
+                                            </p:txEl>
+                                          </p:spTgt>
+                                        </p:tgtEl>
+                                      </p:cBhvr>
+                                    </p:animEffect>
+                                  </p:childTnLst>
+                                </p:cTn>
+                              </p:par>
+                              <p:par>
+                                <p:cTn id="29" presetID="10" presetClass="entr" presetSubtype="0" fill="hold" nodeType="withEffect">
+                                  <p:stCondLst>
+                                    <p:cond delay="0"/>
+                                  </p:stCondLst>
+                                  <p:childTnLst>
+                                    <p:set>
+                                      <p:cBhvr>
+                                        <p:cTn id="30" dur="1" fill="hold">
+                                          <p:stCondLst>
+                                            <p:cond delay="0"/>
+                                          </p:stCondLst>
+                                        </p:cTn>
+                                        <p:tgtEl>
+                                          <p:spTgt spid="7">
+                                            <p:txEl>
+                                              <p:pRg st="1" end="1"/>
+                                            </p:txEl>
+                                          </p:spTgt>
+                                        </p:tgtEl>
+                                        <p:attrNameLst>
+                                          <p:attrName>style.visibility</p:attrName>
+                                        </p:attrNameLst>
+                                      </p:cBhvr>
+                                      <p:to>
+                                        <p:strVal val="visible"/>
+                                      </p:to>
+                                    </p:set>
+                                    <p:animEffect transition="in" filter="fade">
+                                      <p:cBhvr>
+                                        <p:cTn id="31" dur="500"/>
+                                        <p:tgtEl>
+                                          <p:spTgt spid="7">
+                                            <p:txEl>
+                                              <p:pRg st="1" end="1"/>
+                                            </p:txEl>
+                                          </p:spTgt>
+                                        </p:tgtEl>
+                                      </p:cBhvr>
+                                    </p:animEffect>
+                                  </p:childTnLst>
+                                </p:cTn>
+                              </p:par>
+                              <p:par>
+                                <p:cTn id="32" presetID="10" presetClass="entr" presetSubtype="0" fill="hold" nodeType="withEffect">
+                                  <p:stCondLst>
+                                    <p:cond delay="0"/>
+                                  </p:stCondLst>
+                                  <p:childTnLst>
+                                    <p:set>
+                                      <p:cBhvr>
+                                        <p:cTn id="33" dur="1" fill="hold">
+                                          <p:stCondLst>
+                                            <p:cond delay="0"/>
+                                          </p:stCondLst>
+                                        </p:cTn>
+                                        <p:tgtEl>
+                                          <p:spTgt spid="7">
+                                            <p:txEl>
+                                              <p:pRg st="2" end="2"/>
+                                            </p:txEl>
+                                          </p:spTgt>
+                                        </p:tgtEl>
+                                        <p:attrNameLst>
+                                          <p:attrName>style.visibility</p:attrName>
+                                        </p:attrNameLst>
+                                      </p:cBhvr>
+                                      <p:to>
+                                        <p:strVal val="visible"/>
+                                      </p:to>
+                                    </p:set>
+                                    <p:animEffect transition="in" filter="fade">
+                                      <p:cBhvr>
+                                        <p:cTn id="34" dur="500"/>
+                                        <p:tgtEl>
+                                          <p:spTgt spid="7">
+                                            <p:txEl>
+                                              <p:pRg st="2" end="2"/>
+                                            </p:txEl>
+                                          </p:spTgt>
+                                        </p:tgtEl>
+                                      </p:cBhvr>
+                                    </p:animEffect>
+                                  </p:childTnLst>
+                                </p:cTn>
+                              </p:par>
+                            </p:childTnLst>
+                          </p:cTn>
+                        </p:par>
+                      </p:childTnLst>
+                    </p:cTn>
+                  </p:par>
+                </p:childTnLst>
+              </p:cTn>
+              <p:prevCondLst>
+                <p:cond evt="onPrev" delay="0">
+                  <p:tgtEl>
+                    <p:sldTgt/>
+                  </p:tgtEl>
+                </p:cond>
+              </p:prevCondLst>
+              <p:nextCondLst>
+                <p:cond evt="onNext" delay="0">
+                  <p:tgtEl>
+                    <p:sldTgt/>
+                  </p:tgtEl>
+                </p:cond>
+              </p:nextCondLst>
+            </p:seq>
+          </p:childTnLst>
+        </p:cTn>
+      </p:par>
+    </p:tnLst>
+    <p:bldLst>
+      <p:bldP spid="4" grpId="0" build="p"/>
+      <p:bldP spid="6" grpId="0" build="p"/>
+    </p:bldLst>
+  </p:timing>
+</p:sld>
+</file>
+
+<file path=ppt/slides/slide19.xml><?xml version="1.0" encoding="utf-8"?>
+<p:sld xmlns:a="http://schemas.openxmlformats.org/drawingml/2006/main" xmlns:r="http://schemas.openxmlformats.org/officeDocument/2006/relationships" xmlns:p="http://schemas.openxmlformats.org/presentationml/2006/main">
+  <p:cSld>
+    <p:spTree>
+      <p:nvGrpSpPr>
+        <p:cNvPr id="1" name=""/>
+        <p:cNvGrpSpPr/>
+        <p:nvPr/>
+      </p:nvGrpSpPr>
+      <p:grpSpPr>
+        <a:xfrm>
+          <a:off x="0" y="0"/>
+          <a:ext cx="0" cy="0"/>
+          <a:chOff x="0" y="0"/>
+          <a:chExt cx="0" cy="0"/>
+        </a:xfrm>
+      </p:grpSpPr>
+      <p:sp>
+        <p:nvSpPr>
+          <p:cNvPr id="2" name="Titel 1"/>
+          <p:cNvSpPr>
+            <a:spLocks noGrp="1"/>
+          </p:cNvSpPr>
+          <p:nvPr>
+            <p:ph type="title"/>
+          </p:nvPr>
+        </p:nvSpPr>
+        <p:spPr>
+          <a:xfrm>
+            <a:off x="2089445" y="803452"/>
+            <a:ext cx="9378304" cy="1222765"/>
+          </a:xfrm>
+        </p:spPr>
+        <p:txBody>
+          <a:bodyPr/>
+          <a:lstStyle/>
+          <a:p>
+            <a:r>
+              <a:rPr lang="de-AT" dirty="0"/>
+              <a:t> </a:t>
+            </a:r>
+            <a:r>
+              <a:rPr lang="de-AT" dirty="0" smtClean="0"/>
+              <a:t>            vs.            Elemente</a:t>
+            </a:r>
+            <a:endParaRPr lang="en-US" dirty="0"/>
+          </a:p>
+        </p:txBody>
+      </p:sp>
+      <p:sp>
+        <p:nvSpPr>
+          <p:cNvPr id="4" name="Textplatzhalter 3"/>
+          <p:cNvSpPr>
+            <a:spLocks noGrp="1"/>
+          </p:cNvSpPr>
+          <p:nvPr>
+            <p:ph type="body" idx="1"/>
+          </p:nvPr>
+        </p:nvSpPr>
+        <p:spPr>
+          <a:xfrm>
+            <a:off x="1638300" y="1774088"/>
+            <a:ext cx="4529391" cy="681591"/>
+          </a:xfrm>
+        </p:spPr>
+        <p:txBody>
+          <a:bodyPr/>
+          <a:lstStyle/>
+          <a:p>
+            <a:r>
+              <a:rPr lang="de-AT" dirty="0" smtClean="0"/>
+              <a:t>Inline Elemente</a:t>
+            </a:r>
+            <a:endParaRPr lang="en-US" dirty="0"/>
+          </a:p>
+        </p:txBody>
+      </p:sp>
+      <p:sp>
+        <p:nvSpPr>
+          <p:cNvPr id="5" name="Inhaltsplatzhalter 4"/>
+          <p:cNvSpPr>
+            <a:spLocks noGrp="1"/>
+          </p:cNvSpPr>
+          <p:nvPr>
+            <p:ph sz="half" idx="2"/>
+          </p:nvPr>
+        </p:nvSpPr>
+        <p:spPr>
+          <a:xfrm>
+            <a:off x="1392572" y="2488346"/>
+            <a:ext cx="4775119" cy="3870509"/>
+          </a:xfrm>
+        </p:spPr>
+        <p:txBody>
+          <a:bodyPr>
+            <a:normAutofit fontScale="85000" lnSpcReduction="10000"/>
+          </a:bodyPr>
+          <a:lstStyle/>
+          <a:p>
+            <a:r>
+              <a:rPr lang="de-DE" b="1" dirty="0"/>
+              <a:t>Inline-Elemente sind innerhalb von Textblöcken eingebettet</a:t>
+            </a:r>
+            <a:r>
+              <a:rPr lang="de-DE" dirty="0"/>
+              <a:t>: Inline-Elemente sind HTML-Elemente, die inmitten von Text oder anderen Inline-Elementen platziert werden können, ohne einen Zeilenumbruch zu erzwingen. </a:t>
+            </a:r>
+            <a:r>
+              <a:rPr lang="de-DE" dirty="0" smtClean="0"/>
+              <a:t/>
+            </a:r>
+            <a:br>
+              <a:rPr lang="de-DE" dirty="0" smtClean="0"/>
+            </a:br>
+            <a:endParaRPr lang="de-DE" dirty="0" smtClean="0"/>
+          </a:p>
+          <a:p>
+            <a:r>
+              <a:rPr lang="de-DE" b="1" dirty="0" smtClean="0"/>
+              <a:t>Sie </a:t>
+            </a:r>
+            <a:r>
+              <a:rPr lang="de-DE" b="1" dirty="0"/>
+              <a:t>nehmen nur so viel Platz wie notwendig ein</a:t>
+            </a:r>
+            <a:r>
+              <a:rPr lang="de-DE" dirty="0"/>
+              <a:t>: </a:t>
+            </a:r>
+            <a:r>
+              <a:rPr lang="de-DE" dirty="0" smtClean="0"/>
+              <a:t/>
+            </a:r>
+            <a:br>
+              <a:rPr lang="de-DE" dirty="0" smtClean="0"/>
+            </a:br>
+            <a:r>
+              <a:rPr lang="de-DE" dirty="0" smtClean="0"/>
+              <a:t>Sie </a:t>
+            </a:r>
+            <a:r>
+              <a:rPr lang="de-DE" dirty="0"/>
+              <a:t>erstrecken sich horizontal und reihen sich nebeneinander, solange genügend Platz vorhanden ist, bevor sie zur nächsten Zeile wechseln</a:t>
+            </a:r>
+            <a:r>
+              <a:rPr lang="de-DE" dirty="0" smtClean="0"/>
+              <a:t>.</a:t>
+            </a:r>
+            <a:br>
+              <a:rPr lang="de-DE" dirty="0" smtClean="0"/>
+            </a:br>
+            <a:endParaRPr lang="de-DE" dirty="0"/>
+          </a:p>
+          <a:p>
+            <a:r>
+              <a:rPr lang="de-DE" b="1" dirty="0"/>
+              <a:t>Beispiele für Inline-Elemente sind</a:t>
+            </a:r>
+            <a:r>
+              <a:rPr lang="de-DE" dirty="0"/>
+              <a:t>: &lt;a&gt;, &lt;strong&gt;, &lt;</a:t>
+            </a:r>
+            <a:r>
+              <a:rPr lang="de-DE" dirty="0" err="1"/>
+              <a:t>em</a:t>
+            </a:r>
+            <a:r>
+              <a:rPr lang="de-DE" dirty="0"/>
+              <a:t>&gt;, &lt;span&gt;, &lt;</a:t>
+            </a:r>
+            <a:r>
+              <a:rPr lang="de-DE" dirty="0" err="1"/>
+              <a:t>img</a:t>
+            </a:r>
+            <a:r>
+              <a:rPr lang="de-DE" dirty="0"/>
+              <a:t>&gt;, &lt;</a:t>
+            </a:r>
+            <a:r>
+              <a:rPr lang="de-DE" dirty="0" err="1"/>
+              <a:t>br</a:t>
+            </a:r>
+            <a:r>
+              <a:rPr lang="de-DE" dirty="0" smtClean="0"/>
+              <a:t>&gt;</a:t>
+            </a:r>
+            <a:endParaRPr lang="en-US" dirty="0"/>
+          </a:p>
+        </p:txBody>
+      </p:sp>
+      <p:sp>
+        <p:nvSpPr>
+          <p:cNvPr id="6" name="Textplatzhalter 5"/>
+          <p:cNvSpPr>
+            <a:spLocks noGrp="1"/>
+          </p:cNvSpPr>
+          <p:nvPr>
+            <p:ph type="body" sz="quarter" idx="3"/>
+          </p:nvPr>
+        </p:nvSpPr>
+        <p:spPr>
+          <a:xfrm>
+            <a:off x="6742147" y="1774088"/>
+            <a:ext cx="4529391" cy="681591"/>
+          </a:xfrm>
+        </p:spPr>
+        <p:txBody>
+          <a:bodyPr/>
+          <a:lstStyle/>
+          <a:p>
+            <a:r>
+              <a:rPr lang="de-AT" dirty="0" smtClean="0"/>
+              <a:t>Block Elemente</a:t>
+            </a:r>
+            <a:endParaRPr lang="en-US" dirty="0"/>
+          </a:p>
+        </p:txBody>
+      </p:sp>
+      <p:sp>
+        <p:nvSpPr>
+          <p:cNvPr id="7" name="Inhaltsplatzhalter 6"/>
+          <p:cNvSpPr>
+            <a:spLocks noGrp="1"/>
+          </p:cNvSpPr>
+          <p:nvPr>
+            <p:ph sz="quarter" idx="4"/>
+          </p:nvPr>
+        </p:nvSpPr>
+        <p:spPr>
+          <a:xfrm>
+            <a:off x="6487212" y="2488346"/>
+            <a:ext cx="4980537" cy="4109595"/>
+          </a:xfrm>
+        </p:spPr>
+        <p:txBody>
+          <a:bodyPr>
+            <a:noAutofit/>
+          </a:bodyPr>
+          <a:lstStyle/>
+          <a:p>
+            <a:r>
+              <a:rPr lang="de-DE" sz="1600" b="1" dirty="0"/>
+              <a:t>Block-Elemente erzwingen Zeilenumbrüche</a:t>
+            </a:r>
+            <a:r>
+              <a:rPr lang="de-DE" sz="1600" dirty="0"/>
+              <a:t>: </a:t>
+            </a:r>
+            <a:br>
+              <a:rPr lang="de-DE" sz="1600" dirty="0"/>
+            </a:br>
+            <a:r>
+              <a:rPr lang="de-DE" sz="1600" dirty="0" smtClean="0"/>
+              <a:t>Block-Elemente nehmen </a:t>
+            </a:r>
+            <a:r>
+              <a:rPr lang="de-DE" sz="1600" dirty="0"/>
+              <a:t>die gesamte verfügbare Breite ihres Elternelements ein und erzwingen einen Zeilenumbruch danach</a:t>
+            </a:r>
+            <a:r>
+              <a:rPr lang="de-DE" sz="1600" dirty="0" smtClean="0"/>
+              <a:t>.</a:t>
+            </a:r>
+            <a:br>
+              <a:rPr lang="de-DE" sz="1600" dirty="0" smtClean="0"/>
+            </a:br>
+            <a:endParaRPr lang="de-DE" sz="1600" dirty="0"/>
+          </a:p>
+          <a:p>
+            <a:r>
+              <a:rPr lang="de-DE" sz="1600" b="1" dirty="0"/>
+              <a:t>Sie werden oft für strukturelle Elemente verwendet</a:t>
+            </a:r>
+            <a:r>
+              <a:rPr lang="de-DE" sz="1600" dirty="0"/>
+              <a:t>: Block-Elemente werden häufig verwendet, um strukturelle Teile einer HTML-Seite zu </a:t>
+            </a:r>
+            <a:r>
+              <a:rPr lang="de-DE" sz="1600" dirty="0" smtClean="0"/>
+              <a:t>definieren</a:t>
+            </a:r>
+            <a:br>
+              <a:rPr lang="de-DE" sz="1600" dirty="0" smtClean="0"/>
+            </a:br>
+            <a:r>
+              <a:rPr lang="de-DE" sz="1600" dirty="0" smtClean="0"/>
+              <a:t> </a:t>
+            </a:r>
+          </a:p>
+          <a:p>
+            <a:r>
+              <a:rPr lang="de-DE" sz="1600" b="1" dirty="0" smtClean="0"/>
+              <a:t>Beispiele </a:t>
+            </a:r>
+            <a:r>
+              <a:rPr lang="de-DE" sz="1600" b="1" dirty="0"/>
+              <a:t>für Block-Elemente sind</a:t>
+            </a:r>
+            <a:r>
+              <a:rPr lang="de-DE" sz="1600" dirty="0"/>
+              <a:t>: &lt;div&gt;, &lt;p&gt;, &lt;h1&gt;, &lt;</a:t>
+            </a:r>
+            <a:r>
+              <a:rPr lang="de-DE" sz="1600" dirty="0" err="1"/>
+              <a:t>ul</a:t>
+            </a:r>
+            <a:r>
+              <a:rPr lang="de-DE" sz="1600" dirty="0"/>
+              <a:t>&gt;, &lt;li&gt;, &lt;</a:t>
+            </a:r>
+            <a:r>
+              <a:rPr lang="de-DE" sz="1600" dirty="0" err="1"/>
+              <a:t>table</a:t>
+            </a:r>
+            <a:r>
+              <a:rPr lang="de-DE" sz="1600" dirty="0" smtClean="0"/>
+              <a:t>&gt;.</a:t>
+            </a:r>
+            <a:endParaRPr lang="en-US" sz="1600" dirty="0"/>
+          </a:p>
+        </p:txBody>
+      </p:sp>
+      <p:pic>
+        <p:nvPicPr>
+          <p:cNvPr id="1030" name="Picture 6" descr="Building blocks clipart. Free download transparent .PNG | Creazilla"/>
+          <p:cNvPicPr>
+            <a:picLocks noChangeAspect="1" noChangeArrowheads="1"/>
+          </p:cNvPicPr>
+          <p:nvPr/>
+        </p:nvPicPr>
+        <p:blipFill>
+          <a:blip r:embed="rId2" cstate="hqprint">
+            <a:extLst>
+              <a:ext uri="{28A0092B-C50C-407E-A947-70E740481C1C}">
+                <a14:useLocalDpi xmlns:a14="http://schemas.microsoft.com/office/drawing/2010/main" val="0"/>
+              </a:ext>
+            </a:extLst>
+          </a:blip>
+          <a:srcRect/>
+          <a:stretch>
+            <a:fillRect/>
+          </a:stretch>
+        </p:blipFill>
+        <p:spPr bwMode="auto">
+          <a:xfrm flipH="1">
+            <a:off x="4511790" y="377752"/>
+            <a:ext cx="734593" cy="1492505"/>
+          </a:xfrm>
+          <a:prstGeom prst="rect">
+            <a:avLst/>
+          </a:prstGeom>
+          <a:noFill/>
+          <a:extLst>
+            <a:ext uri="{909E8E84-426E-40DD-AFC4-6F175D3DCCD1}">
+              <a14:hiddenFill xmlns:a14="http://schemas.microsoft.com/office/drawing/2010/main">
+                <a:solidFill>
+                  <a:srgbClr val="FFFFFF"/>
+                </a:solidFill>
+              </a14:hiddenFill>
+            </a:ext>
+          </a:extLst>
+        </p:spPr>
+      </p:pic>
+      <p:pic>
+        <p:nvPicPr>
+          <p:cNvPr id="1034" name="Picture 10" descr="Quipos | Famous characters: La Linea | Line art drawings, Wire art  sculpture, Cartoon tattoos"/>
+          <p:cNvPicPr>
+            <a:picLocks noChangeAspect="1" noChangeArrowheads="1"/>
+          </p:cNvPicPr>
+          <p:nvPr/>
+        </p:nvPicPr>
+        <p:blipFill>
+          <a:blip r:embed="rId3">
+            <a:extLst>
+              <a:ext uri="{28A0092B-C50C-407E-A947-70E740481C1C}">
+                <a14:useLocalDpi xmlns:a14="http://schemas.microsoft.com/office/drawing/2010/main" val="0"/>
+              </a:ext>
+            </a:extLst>
+          </a:blip>
+          <a:srcRect/>
+          <a:stretch>
+            <a:fillRect/>
+          </a:stretch>
+        </p:blipFill>
+        <p:spPr bwMode="auto">
+          <a:xfrm flipH="1">
+            <a:off x="1687430" y="485607"/>
+            <a:ext cx="1707545" cy="1255814"/>
+          </a:xfrm>
+          <a:prstGeom prst="rect">
+            <a:avLst/>
+          </a:prstGeom>
+          <a:noFill/>
+          <a:extLst>
+            <a:ext uri="{909E8E84-426E-40DD-AFC4-6F175D3DCCD1}">
+              <a14:hiddenFill xmlns:a14="http://schemas.microsoft.com/office/drawing/2010/main">
+                <a:solidFill>
+                  <a:srgbClr val="FFFFFF"/>
+                </a:solidFill>
+              </a14:hiddenFill>
+            </a:ext>
+          </a:extLst>
+        </p:spPr>
+      </p:pic>
+      <p:sp>
+        <p:nvSpPr>
+          <p:cNvPr id="10" name="Textfeld 9"/>
+          <p:cNvSpPr txBox="1"/>
+          <p:nvPr/>
+        </p:nvSpPr>
+        <p:spPr>
+          <a:xfrm rot="20727195">
+            <a:off x="3013801" y="3260527"/>
+            <a:ext cx="6627303" cy="1477328"/>
+          </a:xfrm>
+          <a:prstGeom prst="rect">
+            <a:avLst/>
+          </a:prstGeom>
+          <a:solidFill>
+            <a:srgbClr val="FFFF00"/>
+          </a:solidFill>
+        </p:spPr>
+        <p:txBody>
+          <a:bodyPr wrap="square" rtlCol="0">
+            <a:spAutoFit/>
+          </a:bodyPr>
+          <a:lstStyle/>
+          <a:p>
+            <a:r>
+              <a:rPr lang="de-DE" dirty="0" smtClean="0"/>
+              <a:t>Zusammengefasst: Inline-Elemente </a:t>
+            </a:r>
+            <a:r>
+              <a:rPr lang="de-DE" dirty="0"/>
+              <a:t>dazu gedacht, innerhalb von Text verwendet zu werden, ohne Zeilenumbrüche zu erzwingen, während Block-Elemente dazu dienen, den Textfluss zu unterbrechen und strukturelle Elemente auf der Seite zu definieren.</a:t>
+            </a:r>
+            <a:endParaRPr lang="en-US" dirty="0"/>
+          </a:p>
+        </p:txBody>
+      </p:sp>
+    </p:spTree>
+    <p:extLst>
+      <p:ext uri="{BB962C8B-B14F-4D97-AF65-F5344CB8AC3E}">
+        <p14:creationId xmlns:p14="http://schemas.microsoft.com/office/powerpoint/2010/main" val="1660234248"/>
       </p:ext>
     </p:extLst>
   </p:cSld>
@@ -6517,6 +9430,1671 @@
     <p:bldLst>
       <p:bldP spid="3" grpId="0" build="p"/>
     </p:bldLst>
+  </p:timing>
+</p:sld>
+</file>
+
+<file path=ppt/slides/slide20.xml><?xml version="1.0" encoding="utf-8"?>
+<p:sld xmlns:a="http://schemas.openxmlformats.org/drawingml/2006/main" xmlns:r="http://schemas.openxmlformats.org/officeDocument/2006/relationships" xmlns:p="http://schemas.openxmlformats.org/presentationml/2006/main">
+  <p:cSld>
+    <p:spTree>
+      <p:nvGrpSpPr>
+        <p:cNvPr id="1" name=""/>
+        <p:cNvGrpSpPr/>
+        <p:nvPr/>
+      </p:nvGrpSpPr>
+      <p:grpSpPr>
+        <a:xfrm>
+          <a:off x="0" y="0"/>
+          <a:ext cx="0" cy="0"/>
+          <a:chOff x="0" y="0"/>
+          <a:chExt cx="0" cy="0"/>
+        </a:xfrm>
+      </p:grpSpPr>
+      <p:sp>
+        <p:nvSpPr>
+          <p:cNvPr id="2" name="Titel 1"/>
+          <p:cNvSpPr>
+            <a:spLocks noGrp="1"/>
+          </p:cNvSpPr>
+          <p:nvPr>
+            <p:ph type="title"/>
+          </p:nvPr>
+        </p:nvSpPr>
+        <p:spPr/>
+        <p:txBody>
+          <a:bodyPr/>
+          <a:lstStyle/>
+          <a:p>
+            <a:r>
+              <a:rPr lang="de-AT" dirty="0" smtClean="0"/>
+              <a:t>HTML „Kontaktformular“ Übung</a:t>
+            </a:r>
+            <a:endParaRPr lang="en-US" dirty="0"/>
+          </a:p>
+        </p:txBody>
+      </p:sp>
+      <p:sp>
+        <p:nvSpPr>
+          <p:cNvPr id="3" name="Inhaltsplatzhalter 2"/>
+          <p:cNvSpPr>
+            <a:spLocks noGrp="1"/>
+          </p:cNvSpPr>
+          <p:nvPr>
+            <p:ph idx="1"/>
+          </p:nvPr>
+        </p:nvSpPr>
+        <p:spPr>
+          <a:xfrm>
+            <a:off x="1078465" y="1833465"/>
+            <a:ext cx="6060889" cy="4620089"/>
+          </a:xfrm>
+        </p:spPr>
+        <p:txBody>
+          <a:bodyPr>
+            <a:normAutofit/>
+          </a:bodyPr>
+          <a:lstStyle/>
+          <a:p>
+            <a:r>
+              <a:rPr lang="de-AT" dirty="0" smtClean="0"/>
+              <a:t>Erstelle eine Formular &lt;form&gt;&lt;/form&gt; mit Eingabefeldern um eine Kontaktanfrage zu versenden</a:t>
+            </a:r>
+          </a:p>
+          <a:p>
+            <a:r>
+              <a:rPr lang="de-AT" dirty="0" smtClean="0"/>
+              <a:t>Folgende Eingabefelder sollen vorhanden sein:</a:t>
+            </a:r>
+          </a:p>
+          <a:p>
+            <a:pPr lvl="1"/>
+            <a:r>
+              <a:rPr lang="de-AT" dirty="0" smtClean="0"/>
+              <a:t>Name (Input)</a:t>
+            </a:r>
+          </a:p>
+          <a:p>
+            <a:pPr lvl="1"/>
+            <a:r>
+              <a:rPr lang="de-AT" dirty="0" smtClean="0"/>
+              <a:t>Email (Input)</a:t>
+            </a:r>
+          </a:p>
+          <a:p>
+            <a:pPr lvl="1"/>
+            <a:r>
+              <a:rPr lang="de-AT" dirty="0" smtClean="0"/>
+              <a:t>Nachricht (</a:t>
+            </a:r>
+            <a:r>
+              <a:rPr lang="de-AT" dirty="0" err="1" smtClean="0"/>
+              <a:t>Textarea</a:t>
+            </a:r>
+            <a:r>
+              <a:rPr lang="de-AT" dirty="0" smtClean="0"/>
+              <a:t>)</a:t>
+            </a:r>
+          </a:p>
+          <a:p>
+            <a:pPr lvl="1"/>
+            <a:r>
+              <a:rPr lang="de-AT" dirty="0" smtClean="0"/>
+              <a:t>Geschlecht (Radio)</a:t>
+            </a:r>
+          </a:p>
+          <a:p>
+            <a:pPr lvl="1"/>
+            <a:r>
+              <a:rPr lang="de-AT" dirty="0" smtClean="0"/>
+              <a:t>Interessen (Checkbox)</a:t>
+            </a:r>
+          </a:p>
+          <a:p>
+            <a:pPr lvl="1"/>
+            <a:r>
+              <a:rPr lang="de-AT" dirty="0" err="1" smtClean="0"/>
+              <a:t>Submit</a:t>
+            </a:r>
+            <a:r>
+              <a:rPr lang="de-AT" dirty="0" smtClean="0"/>
+              <a:t> Button &lt;</a:t>
+            </a:r>
+            <a:r>
+              <a:rPr lang="de-AT" dirty="0" err="1" smtClean="0"/>
+              <a:t>input</a:t>
+            </a:r>
+            <a:r>
+              <a:rPr lang="de-AT" dirty="0" smtClean="0"/>
+              <a:t> type=„</a:t>
+            </a:r>
+            <a:r>
+              <a:rPr lang="de-AT" dirty="0" err="1" smtClean="0"/>
+              <a:t>submit</a:t>
+            </a:r>
+            <a:r>
+              <a:rPr lang="de-AT" dirty="0" smtClean="0"/>
+              <a:t>“&gt;</a:t>
+            </a:r>
+          </a:p>
+          <a:p>
+            <a:r>
+              <a:rPr lang="de-AT" dirty="0" smtClean="0"/>
+              <a:t>Verwende dafür sowohl Inline als auch Block Elemente.</a:t>
+            </a:r>
+            <a:endParaRPr lang="en-US" dirty="0"/>
+          </a:p>
+        </p:txBody>
+      </p:sp>
+      <p:pic>
+        <p:nvPicPr>
+          <p:cNvPr id="4" name="Grafik 3"/>
+          <p:cNvPicPr>
+            <a:picLocks noChangeAspect="1"/>
+          </p:cNvPicPr>
+          <p:nvPr/>
+        </p:nvPicPr>
+        <p:blipFill>
+          <a:blip r:embed="rId2"/>
+          <a:stretch>
+            <a:fillRect/>
+          </a:stretch>
+        </p:blipFill>
+        <p:spPr>
+          <a:xfrm>
+            <a:off x="7506209" y="1833465"/>
+            <a:ext cx="4139115" cy="3746282"/>
+          </a:xfrm>
+          <a:prstGeom prst="rect">
+            <a:avLst/>
+          </a:prstGeom>
+        </p:spPr>
+      </p:pic>
+    </p:spTree>
+    <p:extLst>
+      <p:ext uri="{BB962C8B-B14F-4D97-AF65-F5344CB8AC3E}">
+        <p14:creationId xmlns:p14="http://schemas.microsoft.com/office/powerpoint/2010/main" val="2679963736"/>
+      </p:ext>
+    </p:extLst>
+  </p:cSld>
+  <p:clrMapOvr>
+    <a:masterClrMapping/>
+  </p:clrMapOvr>
+  <p:timing>
+    <p:tnLst>
+      <p:par>
+        <p:cTn id="1" dur="indefinite" restart="never" nodeType="tmRoot"/>
+      </p:par>
+    </p:tnLst>
+  </p:timing>
+</p:sld>
+</file>
+
+<file path=ppt/slides/slide21.xml><?xml version="1.0" encoding="utf-8"?>
+<p:sld xmlns:a="http://schemas.openxmlformats.org/drawingml/2006/main" xmlns:r="http://schemas.openxmlformats.org/officeDocument/2006/relationships" xmlns:p="http://schemas.openxmlformats.org/presentationml/2006/main">
+  <p:cSld>
+    <p:spTree>
+      <p:nvGrpSpPr>
+        <p:cNvPr id="1" name=""/>
+        <p:cNvGrpSpPr/>
+        <p:nvPr/>
+      </p:nvGrpSpPr>
+      <p:grpSpPr>
+        <a:xfrm>
+          <a:off x="0" y="0"/>
+          <a:ext cx="0" cy="0"/>
+          <a:chOff x="0" y="0"/>
+          <a:chExt cx="0" cy="0"/>
+        </a:xfrm>
+      </p:grpSpPr>
+      <p:sp>
+        <p:nvSpPr>
+          <p:cNvPr id="2" name="Titel 1"/>
+          <p:cNvSpPr>
+            <a:spLocks noGrp="1"/>
+          </p:cNvSpPr>
+          <p:nvPr>
+            <p:ph type="title"/>
+          </p:nvPr>
+        </p:nvSpPr>
+        <p:spPr/>
+        <p:txBody>
+          <a:bodyPr/>
+          <a:lstStyle/>
+          <a:p>
+            <a:r>
+              <a:rPr lang="de-AT" dirty="0" smtClean="0"/>
+              <a:t>HTML </a:t>
+            </a:r>
+            <a:r>
+              <a:rPr lang="de-AT" dirty="0" smtClean="0"/>
+              <a:t>Formulare</a:t>
+            </a:r>
+            <a:endParaRPr lang="en-US" dirty="0"/>
+          </a:p>
+        </p:txBody>
+      </p:sp>
+      <p:sp>
+        <p:nvSpPr>
+          <p:cNvPr id="3" name="Inhaltsplatzhalter 2"/>
+          <p:cNvSpPr>
+            <a:spLocks noGrp="1"/>
+          </p:cNvSpPr>
+          <p:nvPr>
+            <p:ph idx="1"/>
+          </p:nvPr>
+        </p:nvSpPr>
+        <p:spPr>
+          <a:xfrm>
+            <a:off x="1078464" y="1833465"/>
+            <a:ext cx="6597221" cy="4137259"/>
+          </a:xfrm>
+        </p:spPr>
+        <p:txBody>
+          <a:bodyPr>
+            <a:normAutofit/>
+          </a:bodyPr>
+          <a:lstStyle/>
+          <a:p>
+            <a:r>
+              <a:rPr lang="de-DE" dirty="0"/>
+              <a:t>Ein HTML-Formular wird verwendet, um Benutzereingaben zu sammeln. Die Benutzereingabe wird in der Regel an einen Server zur Verarbeitung </a:t>
+            </a:r>
+            <a:r>
+              <a:rPr lang="de-DE" dirty="0" smtClean="0"/>
+              <a:t>gesendet</a:t>
+            </a:r>
+          </a:p>
+          <a:p>
+            <a:r>
+              <a:rPr lang="de-DE" dirty="0"/>
+              <a:t>Ein HTML-Formular ist ein Container für verschiedene Arten von Eingabeelementen, wie zum Beispiel: Textfelder, Kontrollkästchen, Optionsfelder (Radio-Buttons), </a:t>
+            </a:r>
+            <a:r>
+              <a:rPr lang="de-DE" dirty="0" err="1"/>
+              <a:t>Absendebuttons</a:t>
+            </a:r>
+            <a:r>
+              <a:rPr lang="de-DE" dirty="0"/>
+              <a:t> usw</a:t>
+            </a:r>
+            <a:r>
+              <a:rPr lang="de-DE" dirty="0" smtClean="0"/>
+              <a:t>.</a:t>
+            </a:r>
+          </a:p>
+          <a:p>
+            <a:r>
+              <a:rPr lang="de-AT" dirty="0" smtClean="0"/>
+              <a:t>Felder werden über ein serverseitiges Skript (PHP, </a:t>
+            </a:r>
+            <a:r>
+              <a:rPr lang="de-AT" dirty="0" err="1" smtClean="0"/>
+              <a:t>Nodejs</a:t>
+            </a:r>
+            <a:r>
+              <a:rPr lang="de-AT" dirty="0" smtClean="0"/>
+              <a:t>,…) verarbeitet</a:t>
+            </a:r>
+          </a:p>
+          <a:p>
+            <a:r>
+              <a:rPr lang="de-AT" dirty="0" smtClean="0"/>
+              <a:t>Über einen Button &lt;</a:t>
+            </a:r>
+            <a:r>
+              <a:rPr lang="de-AT" dirty="0" err="1" smtClean="0"/>
+              <a:t>input</a:t>
+            </a:r>
+            <a:r>
+              <a:rPr lang="de-AT" dirty="0" smtClean="0"/>
+              <a:t> type=„</a:t>
+            </a:r>
+            <a:r>
+              <a:rPr lang="de-AT" dirty="0" err="1" smtClean="0"/>
+              <a:t>submit</a:t>
+            </a:r>
+            <a:r>
+              <a:rPr lang="de-AT" dirty="0" smtClean="0"/>
+              <a:t>“&gt; wird das Formular abgeschickt </a:t>
+            </a:r>
+            <a:endParaRPr lang="de-AT" dirty="0" smtClean="0"/>
+          </a:p>
+        </p:txBody>
+      </p:sp>
+      <p:pic>
+        <p:nvPicPr>
+          <p:cNvPr id="4" name="Grafik 3"/>
+          <p:cNvPicPr>
+            <a:picLocks noChangeAspect="1"/>
+          </p:cNvPicPr>
+          <p:nvPr/>
+        </p:nvPicPr>
+        <p:blipFill>
+          <a:blip r:embed="rId2"/>
+          <a:stretch>
+            <a:fillRect/>
+          </a:stretch>
+        </p:blipFill>
+        <p:spPr>
+          <a:xfrm>
+            <a:off x="7856270" y="1591396"/>
+            <a:ext cx="3292125" cy="2979678"/>
+          </a:xfrm>
+          <a:prstGeom prst="rect">
+            <a:avLst/>
+          </a:prstGeom>
+        </p:spPr>
+      </p:pic>
+      <p:pic>
+        <p:nvPicPr>
+          <p:cNvPr id="5" name="Grafik 4"/>
+          <p:cNvPicPr>
+            <a:picLocks noChangeAspect="1"/>
+          </p:cNvPicPr>
+          <p:nvPr/>
+        </p:nvPicPr>
+        <p:blipFill>
+          <a:blip r:embed="rId3"/>
+          <a:stretch>
+            <a:fillRect/>
+          </a:stretch>
+        </p:blipFill>
+        <p:spPr>
+          <a:xfrm>
+            <a:off x="7856270" y="4571074"/>
+            <a:ext cx="4275190" cy="1074513"/>
+          </a:xfrm>
+          <a:prstGeom prst="rect">
+            <a:avLst/>
+          </a:prstGeom>
+        </p:spPr>
+      </p:pic>
+    </p:spTree>
+    <p:extLst>
+      <p:ext uri="{BB962C8B-B14F-4D97-AF65-F5344CB8AC3E}">
+        <p14:creationId xmlns:p14="http://schemas.microsoft.com/office/powerpoint/2010/main" val="922300948"/>
+      </p:ext>
+    </p:extLst>
+  </p:cSld>
+  <p:clrMapOvr>
+    <a:masterClrMapping/>
+  </p:clrMapOvr>
+  <p:timing>
+    <p:tnLst>
+      <p:par>
+        <p:cTn id="1" dur="indefinite" restart="never" nodeType="tmRoot"/>
+      </p:par>
+    </p:tnLst>
+  </p:timing>
+</p:sld>
+</file>
+
+<file path=ppt/slides/slide22.xml><?xml version="1.0" encoding="utf-8"?>
+<p:sld xmlns:a="http://schemas.openxmlformats.org/drawingml/2006/main" xmlns:r="http://schemas.openxmlformats.org/officeDocument/2006/relationships" xmlns:p="http://schemas.openxmlformats.org/presentationml/2006/main">
+  <p:cSld>
+    <p:spTree>
+      <p:nvGrpSpPr>
+        <p:cNvPr id="1" name=""/>
+        <p:cNvGrpSpPr/>
+        <p:nvPr/>
+      </p:nvGrpSpPr>
+      <p:grpSpPr>
+        <a:xfrm>
+          <a:off x="0" y="0"/>
+          <a:ext cx="0" cy="0"/>
+          <a:chOff x="0" y="0"/>
+          <a:chExt cx="0" cy="0"/>
+        </a:xfrm>
+      </p:grpSpPr>
+      <p:sp>
+        <p:nvSpPr>
+          <p:cNvPr id="2" name="Titel 1"/>
+          <p:cNvSpPr>
+            <a:spLocks noGrp="1"/>
+          </p:cNvSpPr>
+          <p:nvPr>
+            <p:ph type="title"/>
+          </p:nvPr>
+        </p:nvSpPr>
+        <p:spPr/>
+        <p:txBody>
+          <a:bodyPr/>
+          <a:lstStyle/>
+          <a:p>
+            <a:r>
+              <a:rPr lang="de-AT" dirty="0" smtClean="0"/>
+              <a:t>HTML </a:t>
+            </a:r>
+            <a:r>
+              <a:rPr lang="de-AT" dirty="0" smtClean="0"/>
+              <a:t>Formular Attribute</a:t>
+            </a:r>
+            <a:endParaRPr lang="en-US" dirty="0"/>
+          </a:p>
+        </p:txBody>
+      </p:sp>
+      <p:sp>
+        <p:nvSpPr>
+          <p:cNvPr id="3" name="Inhaltsplatzhalter 2"/>
+          <p:cNvSpPr>
+            <a:spLocks noGrp="1"/>
+          </p:cNvSpPr>
+          <p:nvPr>
+            <p:ph idx="1"/>
+          </p:nvPr>
+        </p:nvSpPr>
+        <p:spPr>
+          <a:xfrm>
+            <a:off x="1078464" y="1833465"/>
+            <a:ext cx="6597221" cy="4137259"/>
+          </a:xfrm>
+        </p:spPr>
+        <p:txBody>
+          <a:bodyPr>
+            <a:normAutofit/>
+          </a:bodyPr>
+          <a:lstStyle/>
+          <a:p>
+            <a:r>
+              <a:rPr lang="de-AT" dirty="0" smtClean="0"/>
+              <a:t>Mit </a:t>
+            </a:r>
+            <a:r>
+              <a:rPr lang="de-AT" dirty="0"/>
+              <a:t>dem </a:t>
+            </a:r>
+            <a:r>
+              <a:rPr lang="de-AT" b="1" dirty="0"/>
+              <a:t>action</a:t>
+            </a:r>
+            <a:r>
+              <a:rPr lang="de-AT" dirty="0"/>
+              <a:t>-Attribut wird das Backend Skript angegeben, welches beim Absenden aufgerufen </a:t>
+            </a:r>
+            <a:r>
+              <a:rPr lang="de-AT" dirty="0" smtClean="0"/>
+              <a:t>wird</a:t>
+            </a:r>
+            <a:endParaRPr lang="de-DE" dirty="0" smtClean="0"/>
+          </a:p>
+          <a:p>
+            <a:r>
+              <a:rPr lang="de-DE" dirty="0" smtClean="0"/>
+              <a:t>Das Attribut </a:t>
+            </a:r>
+            <a:r>
+              <a:rPr lang="de-DE" b="1" dirty="0" err="1" smtClean="0"/>
+              <a:t>method</a:t>
+            </a:r>
+            <a:r>
+              <a:rPr lang="de-DE" dirty="0" smtClean="0"/>
+              <a:t> gibt den Typ des HTTP </a:t>
+            </a:r>
+            <a:r>
+              <a:rPr lang="de-DE" dirty="0" err="1" smtClean="0"/>
+              <a:t>Requests</a:t>
+            </a:r>
+            <a:r>
+              <a:rPr lang="de-DE" dirty="0" smtClean="0"/>
+              <a:t> an</a:t>
+            </a:r>
+            <a:br>
+              <a:rPr lang="de-DE" dirty="0" smtClean="0"/>
+            </a:br>
+            <a:r>
+              <a:rPr lang="de-DE" dirty="0" smtClean="0"/>
+              <a:t>(GET, POST, PUT oder DELETE) </a:t>
+            </a:r>
+          </a:p>
+          <a:p>
+            <a:r>
+              <a:rPr lang="de-AT" dirty="0" smtClean="0"/>
+              <a:t>Das Attribut </a:t>
+            </a:r>
+            <a:r>
+              <a:rPr lang="en-US" b="1" dirty="0"/>
+              <a:t>autocomplete="on</a:t>
+            </a:r>
+            <a:r>
+              <a:rPr lang="en-US" b="1" dirty="0" smtClean="0"/>
+              <a:t>"</a:t>
+            </a:r>
+            <a:r>
+              <a:rPr lang="de-AT" dirty="0" smtClean="0"/>
+              <a:t> definiert ob ein Formular </a:t>
+            </a:r>
+            <a:r>
+              <a:rPr lang="de-AT" dirty="0" err="1"/>
+              <a:t>A</a:t>
+            </a:r>
+            <a:r>
+              <a:rPr lang="de-AT" dirty="0" err="1" smtClean="0"/>
+              <a:t>utocomplete</a:t>
+            </a:r>
+            <a:r>
+              <a:rPr lang="de-AT" dirty="0" smtClean="0"/>
+              <a:t> verwendet oder nicht</a:t>
+            </a:r>
+          </a:p>
+          <a:p>
+            <a:r>
+              <a:rPr lang="de-AT" dirty="0" smtClean="0"/>
+              <a:t>Das Attribut „</a:t>
+            </a:r>
+            <a:r>
+              <a:rPr lang="de-AT" b="1" dirty="0" err="1" smtClean="0"/>
+              <a:t>novalidate</a:t>
+            </a:r>
+            <a:r>
+              <a:rPr lang="de-AT" dirty="0" smtClean="0"/>
+              <a:t>“ definiert ob das Formular validiert wird oder nicht</a:t>
+            </a:r>
+          </a:p>
+          <a:p>
+            <a:endParaRPr lang="en-US" b="1" dirty="0"/>
+          </a:p>
+        </p:txBody>
+      </p:sp>
+      <p:pic>
+        <p:nvPicPr>
+          <p:cNvPr id="4" name="Grafik 3"/>
+          <p:cNvPicPr>
+            <a:picLocks noChangeAspect="1"/>
+          </p:cNvPicPr>
+          <p:nvPr/>
+        </p:nvPicPr>
+        <p:blipFill>
+          <a:blip r:embed="rId2"/>
+          <a:stretch>
+            <a:fillRect/>
+          </a:stretch>
+        </p:blipFill>
+        <p:spPr>
+          <a:xfrm>
+            <a:off x="7856270" y="1591396"/>
+            <a:ext cx="3292125" cy="2979678"/>
+          </a:xfrm>
+          <a:prstGeom prst="rect">
+            <a:avLst/>
+          </a:prstGeom>
+        </p:spPr>
+      </p:pic>
+      <p:pic>
+        <p:nvPicPr>
+          <p:cNvPr id="5" name="Grafik 4"/>
+          <p:cNvPicPr>
+            <a:picLocks noChangeAspect="1"/>
+          </p:cNvPicPr>
+          <p:nvPr/>
+        </p:nvPicPr>
+        <p:blipFill>
+          <a:blip r:embed="rId3"/>
+          <a:stretch>
+            <a:fillRect/>
+          </a:stretch>
+        </p:blipFill>
+        <p:spPr>
+          <a:xfrm>
+            <a:off x="7856270" y="4571074"/>
+            <a:ext cx="4275190" cy="1074513"/>
+          </a:xfrm>
+          <a:prstGeom prst="rect">
+            <a:avLst/>
+          </a:prstGeom>
+        </p:spPr>
+      </p:pic>
+    </p:spTree>
+    <p:extLst>
+      <p:ext uri="{BB962C8B-B14F-4D97-AF65-F5344CB8AC3E}">
+        <p14:creationId xmlns:p14="http://schemas.microsoft.com/office/powerpoint/2010/main" val="1127910279"/>
+      </p:ext>
+    </p:extLst>
+  </p:cSld>
+  <p:clrMapOvr>
+    <a:masterClrMapping/>
+  </p:clrMapOvr>
+  <p:timing>
+    <p:tnLst>
+      <p:par>
+        <p:cTn id="1" dur="indefinite" restart="never" nodeType="tmRoot"/>
+      </p:par>
+    </p:tnLst>
+  </p:timing>
+</p:sld>
+</file>
+
+<file path=ppt/slides/slide23.xml><?xml version="1.0" encoding="utf-8"?>
+<p:sld xmlns:a="http://schemas.openxmlformats.org/drawingml/2006/main" xmlns:r="http://schemas.openxmlformats.org/officeDocument/2006/relationships" xmlns:p="http://schemas.openxmlformats.org/presentationml/2006/main">
+  <p:cSld>
+    <p:spTree>
+      <p:nvGrpSpPr>
+        <p:cNvPr id="1" name=""/>
+        <p:cNvGrpSpPr/>
+        <p:nvPr/>
+      </p:nvGrpSpPr>
+      <p:grpSpPr>
+        <a:xfrm>
+          <a:off x="0" y="0"/>
+          <a:ext cx="0" cy="0"/>
+          <a:chOff x="0" y="0"/>
+          <a:chExt cx="0" cy="0"/>
+        </a:xfrm>
+      </p:grpSpPr>
+      <p:sp>
+        <p:nvSpPr>
+          <p:cNvPr id="2" name="Titel 1"/>
+          <p:cNvSpPr>
+            <a:spLocks noGrp="1"/>
+          </p:cNvSpPr>
+          <p:nvPr>
+            <p:ph type="title"/>
+          </p:nvPr>
+        </p:nvSpPr>
+        <p:spPr/>
+        <p:txBody>
+          <a:bodyPr/>
+          <a:lstStyle/>
+          <a:p>
+            <a:r>
+              <a:rPr lang="de-AT" dirty="0" smtClean="0"/>
+              <a:t>HTML </a:t>
+            </a:r>
+            <a:r>
+              <a:rPr lang="de-AT" dirty="0" smtClean="0"/>
+              <a:t>Formular Input Attribute</a:t>
+            </a:r>
+            <a:endParaRPr lang="en-US" dirty="0"/>
+          </a:p>
+        </p:txBody>
+      </p:sp>
+      <p:sp>
+        <p:nvSpPr>
+          <p:cNvPr id="3" name="Inhaltsplatzhalter 2"/>
+          <p:cNvSpPr>
+            <a:spLocks noGrp="1"/>
+          </p:cNvSpPr>
+          <p:nvPr>
+            <p:ph idx="1"/>
+          </p:nvPr>
+        </p:nvSpPr>
+        <p:spPr>
+          <a:xfrm>
+            <a:off x="1078464" y="1833465"/>
+            <a:ext cx="6597221" cy="4137259"/>
+          </a:xfrm>
+        </p:spPr>
+        <p:txBody>
+          <a:bodyPr>
+            <a:normAutofit fontScale="85000" lnSpcReduction="10000"/>
+          </a:bodyPr>
+          <a:lstStyle/>
+          <a:p>
+            <a:r>
+              <a:rPr lang="de-AT" dirty="0"/>
+              <a:t>Daten </a:t>
+            </a:r>
+            <a:r>
+              <a:rPr lang="de-AT" dirty="0" smtClean="0"/>
+              <a:t>der Felder werden </a:t>
+            </a:r>
+            <a:r>
+              <a:rPr lang="de-AT" dirty="0"/>
+              <a:t>über das </a:t>
+            </a:r>
+            <a:r>
+              <a:rPr lang="de-AT" b="1" dirty="0"/>
+              <a:t>name</a:t>
+            </a:r>
+            <a:r>
+              <a:rPr lang="de-AT" dirty="0"/>
+              <a:t>-Attribut an das Backend übergeben</a:t>
+            </a:r>
+          </a:p>
+          <a:p>
+            <a:r>
+              <a:rPr lang="de-AT" dirty="0" smtClean="0"/>
+              <a:t>Über das Attribut </a:t>
+            </a:r>
+            <a:r>
+              <a:rPr lang="de-AT" b="1" dirty="0" smtClean="0"/>
+              <a:t>type </a:t>
+            </a:r>
+            <a:r>
+              <a:rPr lang="de-AT" dirty="0" smtClean="0"/>
+              <a:t>kann die Art des Formularfelds angegeben werden. Beispiel: </a:t>
+            </a:r>
+            <a:r>
+              <a:rPr lang="en-US" dirty="0"/>
+              <a:t>&lt;input type</a:t>
+            </a:r>
+            <a:r>
+              <a:rPr lang="en-US" dirty="0" smtClean="0"/>
+              <a:t>=“email" /&gt;</a:t>
+            </a:r>
+          </a:p>
+          <a:p>
+            <a:r>
+              <a:rPr lang="de-AT" dirty="0" smtClean="0"/>
+              <a:t>Das</a:t>
+            </a:r>
+            <a:r>
+              <a:rPr lang="de-AT" b="1" dirty="0" smtClean="0"/>
+              <a:t> </a:t>
+            </a:r>
+            <a:r>
+              <a:rPr lang="de-AT" b="1" dirty="0" err="1" smtClean="0"/>
+              <a:t>readonly</a:t>
+            </a:r>
+            <a:r>
+              <a:rPr lang="de-AT" b="1" dirty="0" smtClean="0"/>
+              <a:t> </a:t>
+            </a:r>
+            <a:r>
+              <a:rPr lang="de-AT" dirty="0" smtClean="0"/>
+              <a:t>Attribut gibt an dass das Feld nicht bearbeitet werden kann. Feldwerte werden aber an das Backend übertragen</a:t>
+            </a:r>
+          </a:p>
+          <a:p>
+            <a:r>
+              <a:rPr lang="de-AT" dirty="0" smtClean="0"/>
+              <a:t>Felder mit dem Attribut </a:t>
+            </a:r>
+            <a:r>
+              <a:rPr lang="de-AT" b="1" dirty="0" err="1" smtClean="0"/>
+              <a:t>disabled</a:t>
+            </a:r>
+            <a:r>
+              <a:rPr lang="de-AT" b="1" dirty="0" smtClean="0"/>
+              <a:t> </a:t>
+            </a:r>
+            <a:r>
+              <a:rPr lang="de-AT" dirty="0" smtClean="0"/>
+              <a:t>können nicht bearbeitet werden und werden auch nicht an das Backend geschickt</a:t>
+            </a:r>
+          </a:p>
+          <a:p>
+            <a:r>
+              <a:rPr lang="de-AT" dirty="0" smtClean="0"/>
+              <a:t>Pflichtfelder erhalten das Attribut </a:t>
+            </a:r>
+            <a:r>
+              <a:rPr lang="de-AT" b="1" dirty="0" err="1" smtClean="0"/>
+              <a:t>required</a:t>
+            </a:r>
+            <a:r>
+              <a:rPr lang="de-AT" b="1" dirty="0" smtClean="0"/>
+              <a:t> </a:t>
+            </a:r>
+            <a:r>
+              <a:rPr lang="de-AT" dirty="0" smtClean="0"/>
+              <a:t>und werden beim Senden validiert</a:t>
+            </a:r>
+            <a:endParaRPr lang="de-DE" dirty="0" smtClean="0"/>
+          </a:p>
+          <a:p>
+            <a:r>
+              <a:rPr lang="de-DE" dirty="0" smtClean="0"/>
+              <a:t>Der Input-type </a:t>
+            </a:r>
+            <a:r>
+              <a:rPr lang="de-DE" b="1" dirty="0" err="1" smtClean="0"/>
+              <a:t>submit</a:t>
+            </a:r>
+            <a:r>
+              <a:rPr lang="de-DE" b="1" dirty="0" smtClean="0"/>
+              <a:t> </a:t>
+            </a:r>
+            <a:r>
+              <a:rPr lang="de-DE" dirty="0" smtClean="0"/>
+              <a:t>schickt das Formular mit den eingegebenen Feldwerten an das Backend </a:t>
+            </a:r>
+            <a:r>
+              <a:rPr lang="en-US" dirty="0" smtClean="0"/>
+              <a:t>&lt;input </a:t>
+            </a:r>
+            <a:r>
+              <a:rPr lang="en-US" dirty="0"/>
+              <a:t>type="submit" /&gt;</a:t>
+            </a:r>
+          </a:p>
+          <a:p>
+            <a:endParaRPr lang="de-DE" dirty="0" smtClean="0"/>
+          </a:p>
+        </p:txBody>
+      </p:sp>
+      <p:pic>
+        <p:nvPicPr>
+          <p:cNvPr id="4" name="Grafik 3"/>
+          <p:cNvPicPr>
+            <a:picLocks noChangeAspect="1"/>
+          </p:cNvPicPr>
+          <p:nvPr/>
+        </p:nvPicPr>
+        <p:blipFill>
+          <a:blip r:embed="rId2"/>
+          <a:stretch>
+            <a:fillRect/>
+          </a:stretch>
+        </p:blipFill>
+        <p:spPr>
+          <a:xfrm>
+            <a:off x="7856270" y="1591396"/>
+            <a:ext cx="3292125" cy="2979678"/>
+          </a:xfrm>
+          <a:prstGeom prst="rect">
+            <a:avLst/>
+          </a:prstGeom>
+        </p:spPr>
+      </p:pic>
+      <p:pic>
+        <p:nvPicPr>
+          <p:cNvPr id="5" name="Grafik 4"/>
+          <p:cNvPicPr>
+            <a:picLocks noChangeAspect="1"/>
+          </p:cNvPicPr>
+          <p:nvPr/>
+        </p:nvPicPr>
+        <p:blipFill>
+          <a:blip r:embed="rId3"/>
+          <a:stretch>
+            <a:fillRect/>
+          </a:stretch>
+        </p:blipFill>
+        <p:spPr>
+          <a:xfrm>
+            <a:off x="7856270" y="4571074"/>
+            <a:ext cx="4275190" cy="1074513"/>
+          </a:xfrm>
+          <a:prstGeom prst="rect">
+            <a:avLst/>
+          </a:prstGeom>
+        </p:spPr>
+      </p:pic>
+    </p:spTree>
+    <p:extLst>
+      <p:ext uri="{BB962C8B-B14F-4D97-AF65-F5344CB8AC3E}">
+        <p14:creationId xmlns:p14="http://schemas.microsoft.com/office/powerpoint/2010/main" val="1922233669"/>
+      </p:ext>
+    </p:extLst>
+  </p:cSld>
+  <p:clrMapOvr>
+    <a:masterClrMapping/>
+  </p:clrMapOvr>
+  <p:timing>
+    <p:tnLst>
+      <p:par>
+        <p:cTn id="1" dur="indefinite" restart="never" nodeType="tmRoot"/>
+      </p:par>
+    </p:tnLst>
+  </p:timing>
+</p:sld>
+</file>
+
+<file path=ppt/slides/slide24.xml><?xml version="1.0" encoding="utf-8"?>
+<p:sld xmlns:a="http://schemas.openxmlformats.org/drawingml/2006/main" xmlns:r="http://schemas.openxmlformats.org/officeDocument/2006/relationships" xmlns:p="http://schemas.openxmlformats.org/presentationml/2006/main">
+  <p:cSld>
+    <p:spTree>
+      <p:nvGrpSpPr>
+        <p:cNvPr id="1" name=""/>
+        <p:cNvGrpSpPr/>
+        <p:nvPr/>
+      </p:nvGrpSpPr>
+      <p:grpSpPr>
+        <a:xfrm>
+          <a:off x="0" y="0"/>
+          <a:ext cx="0" cy="0"/>
+          <a:chOff x="0" y="0"/>
+          <a:chExt cx="0" cy="0"/>
+        </a:xfrm>
+      </p:grpSpPr>
+      <p:sp>
+        <p:nvSpPr>
+          <p:cNvPr id="2" name="Titel 1"/>
+          <p:cNvSpPr>
+            <a:spLocks noGrp="1"/>
+          </p:cNvSpPr>
+          <p:nvPr>
+            <p:ph type="title"/>
+          </p:nvPr>
+        </p:nvSpPr>
+        <p:spPr/>
+        <p:txBody>
+          <a:bodyPr/>
+          <a:lstStyle/>
+          <a:p>
+            <a:r>
+              <a:rPr lang="de-AT" dirty="0" smtClean="0"/>
+              <a:t>Exkurs: </a:t>
+            </a:r>
+            <a:r>
+              <a:rPr lang="de-AT" dirty="0" err="1" smtClean="0"/>
+              <a:t>php</a:t>
+            </a:r>
+            <a:r>
+              <a:rPr lang="de-AT" dirty="0"/>
+              <a:t> </a:t>
+            </a:r>
+            <a:r>
+              <a:rPr lang="de-AT" dirty="0" smtClean="0"/>
+              <a:t>als Backend</a:t>
+            </a:r>
+            <a:endParaRPr lang="en-US" dirty="0"/>
+          </a:p>
+        </p:txBody>
+      </p:sp>
+      <p:sp>
+        <p:nvSpPr>
+          <p:cNvPr id="3" name="Inhaltsplatzhalter 2"/>
+          <p:cNvSpPr>
+            <a:spLocks noGrp="1"/>
+          </p:cNvSpPr>
+          <p:nvPr>
+            <p:ph idx="1"/>
+          </p:nvPr>
+        </p:nvSpPr>
+        <p:spPr/>
+        <p:txBody>
+          <a:bodyPr/>
+          <a:lstStyle/>
+          <a:p>
+            <a:r>
+              <a:rPr lang="de-AT" dirty="0" smtClean="0"/>
+              <a:t>Siehe Codebeispiel im </a:t>
+            </a:r>
+            <a:r>
+              <a:rPr lang="de-AT" dirty="0" err="1" smtClean="0"/>
+              <a:t>Kursrepository</a:t>
+            </a:r>
+            <a:r>
+              <a:rPr lang="de-AT" dirty="0" smtClean="0"/>
+              <a:t> „</a:t>
+            </a:r>
+            <a:r>
+              <a:rPr lang="de-AT" dirty="0" err="1" smtClean="0"/>
+              <a:t>process.php</a:t>
+            </a:r>
+            <a:r>
+              <a:rPr lang="de-AT" dirty="0" smtClean="0"/>
+              <a:t>“</a:t>
+            </a:r>
+            <a:endParaRPr lang="en-US" dirty="0"/>
+          </a:p>
+        </p:txBody>
+      </p:sp>
+      <p:pic>
+        <p:nvPicPr>
+          <p:cNvPr id="2050" name="Picture 2" descr="PHP – Wikipedia"/>
+          <p:cNvPicPr>
+            <a:picLocks noChangeAspect="1" noChangeArrowheads="1"/>
+          </p:cNvPicPr>
+          <p:nvPr/>
+        </p:nvPicPr>
+        <p:blipFill>
+          <a:blip r:embed="rId2">
+            <a:extLst>
+              <a:ext uri="{28A0092B-C50C-407E-A947-70E740481C1C}">
+                <a14:useLocalDpi xmlns:a14="http://schemas.microsoft.com/office/drawing/2010/main" val="0"/>
+              </a:ext>
+            </a:extLst>
+          </a:blip>
+          <a:srcRect/>
+          <a:stretch>
+            <a:fillRect/>
+          </a:stretch>
+        </p:blipFill>
+        <p:spPr bwMode="auto">
+          <a:xfrm>
+            <a:off x="3226776" y="2698979"/>
+            <a:ext cx="5272698" cy="2847257"/>
+          </a:xfrm>
+          <a:prstGeom prst="rect">
+            <a:avLst/>
+          </a:prstGeom>
+          <a:noFill/>
+          <a:extLst>
+            <a:ext uri="{909E8E84-426E-40DD-AFC4-6F175D3DCCD1}">
+              <a14:hiddenFill xmlns:a14="http://schemas.microsoft.com/office/drawing/2010/main">
+                <a:solidFill>
+                  <a:srgbClr val="FFFFFF"/>
+                </a:solidFill>
+              </a14:hiddenFill>
+            </a:ext>
+          </a:extLst>
+        </p:spPr>
+      </p:pic>
+    </p:spTree>
+    <p:extLst>
+      <p:ext uri="{BB962C8B-B14F-4D97-AF65-F5344CB8AC3E}">
+        <p14:creationId xmlns:p14="http://schemas.microsoft.com/office/powerpoint/2010/main" val="122307115"/>
+      </p:ext>
+    </p:extLst>
+  </p:cSld>
+  <p:clrMapOvr>
+    <a:masterClrMapping/>
+  </p:clrMapOvr>
+  <p:timing>
+    <p:tnLst>
+      <p:par>
+        <p:cTn id="1" dur="indefinite" restart="never" nodeType="tmRoot"/>
+      </p:par>
+    </p:tnLst>
+  </p:timing>
+</p:sld>
+</file>
+
+<file path=ppt/slides/slide25.xml><?xml version="1.0" encoding="utf-8"?>
+<p:sld xmlns:a="http://schemas.openxmlformats.org/drawingml/2006/main" xmlns:r="http://schemas.openxmlformats.org/officeDocument/2006/relationships" xmlns:p="http://schemas.openxmlformats.org/presentationml/2006/main">
+  <p:cSld>
+    <p:spTree>
+      <p:nvGrpSpPr>
+        <p:cNvPr id="1" name=""/>
+        <p:cNvGrpSpPr/>
+        <p:nvPr/>
+      </p:nvGrpSpPr>
+      <p:grpSpPr>
+        <a:xfrm>
+          <a:off x="0" y="0"/>
+          <a:ext cx="0" cy="0"/>
+          <a:chOff x="0" y="0"/>
+          <a:chExt cx="0" cy="0"/>
+        </a:xfrm>
+      </p:grpSpPr>
+      <p:sp>
+        <p:nvSpPr>
+          <p:cNvPr id="2" name="Titel 1">
+            <a:extLst>
+              <a:ext uri="{FF2B5EF4-FFF2-40B4-BE49-F238E27FC236}">
+                <a16:creationId xmlns:a16="http://schemas.microsoft.com/office/drawing/2014/main" id="{B4ABB032-A2AF-BF78-993C-085D78DFBC1B}"/>
+              </a:ext>
+            </a:extLst>
+          </p:cNvPr>
+          <p:cNvSpPr>
+            <a:spLocks noGrp="1"/>
+          </p:cNvSpPr>
+          <p:nvPr>
+            <p:ph type="title"/>
+          </p:nvPr>
+        </p:nvSpPr>
+        <p:spPr/>
+        <p:txBody>
+          <a:bodyPr/>
+          <a:lstStyle/>
+          <a:p>
+            <a:r>
+              <a:rPr lang="de-AT" dirty="0"/>
+              <a:t>Fragen &amp; Antworten</a:t>
+            </a:r>
+          </a:p>
+        </p:txBody>
+      </p:sp>
+      <p:sp>
+        <p:nvSpPr>
+          <p:cNvPr id="3" name="Inhaltsplatzhalter 2">
+            <a:extLst>
+              <a:ext uri="{FF2B5EF4-FFF2-40B4-BE49-F238E27FC236}">
+                <a16:creationId xmlns:a16="http://schemas.microsoft.com/office/drawing/2014/main" id="{E235725B-DAAC-F513-664A-299CBE2ABB80}"/>
+              </a:ext>
+            </a:extLst>
+          </p:cNvPr>
+          <p:cNvSpPr>
+            <a:spLocks noGrp="1"/>
+          </p:cNvSpPr>
+          <p:nvPr>
+            <p:ph idx="1"/>
+          </p:nvPr>
+        </p:nvSpPr>
+        <p:spPr>
+          <a:xfrm>
+            <a:off x="795287" y="1748770"/>
+            <a:ext cx="10093624" cy="4710753"/>
+          </a:xfrm>
+        </p:spPr>
+        <p:txBody>
+          <a:bodyPr>
+            <a:normAutofit/>
+          </a:bodyPr>
+          <a:lstStyle/>
+          <a:p>
+            <a:pPr lvl="1">
+              <a:lnSpc>
+                <a:spcPct val="150000"/>
+              </a:lnSpc>
+            </a:pPr>
+            <a:r>
+              <a:rPr lang="de-AT" sz="2400" dirty="0">
+                <a:solidFill>
+                  <a:srgbClr val="374151"/>
+                </a:solidFill>
+                <a:latin typeface="Montserrat" panose="00000500000000000000" pitchFamily="2" charset="0"/>
+              </a:rPr>
+              <a:t>Zeit, um eure Fragen zu klären!</a:t>
+            </a:r>
+          </a:p>
+          <a:p>
+            <a:pPr marL="274320" lvl="1" indent="0">
+              <a:lnSpc>
+                <a:spcPct val="150000"/>
+              </a:lnSpc>
+              <a:buNone/>
+            </a:pPr>
+            <a:endParaRPr lang="de-AT" sz="2400" dirty="0">
+              <a:solidFill>
+                <a:srgbClr val="374151"/>
+              </a:solidFill>
+              <a:latin typeface="Montserrat" panose="00000500000000000000" pitchFamily="2" charset="0"/>
+            </a:endParaRPr>
+          </a:p>
+        </p:txBody>
+      </p:sp>
+      <p:sp>
+        <p:nvSpPr>
+          <p:cNvPr id="11" name="Inhaltsplatzhalter 2">
+            <a:extLst>
+              <a:ext uri="{FF2B5EF4-FFF2-40B4-BE49-F238E27FC236}">
+                <a16:creationId xmlns:a16="http://schemas.microsoft.com/office/drawing/2014/main" id="{0F037B21-2A96-B8E3-2A03-9E36ABA6C553}"/>
+              </a:ext>
+            </a:extLst>
+          </p:cNvPr>
+          <p:cNvSpPr txBox="1">
+            <a:spLocks/>
+          </p:cNvSpPr>
+          <p:nvPr/>
+        </p:nvSpPr>
+        <p:spPr>
+          <a:xfrm>
+            <a:off x="795287" y="1833465"/>
+            <a:ext cx="10093624" cy="4710753"/>
+          </a:xfrm>
+          <a:prstGeom prst="rect">
+            <a:avLst/>
+          </a:prstGeom>
+        </p:spPr>
+        <p:txBody>
+          <a:bodyPr vert="horz" lIns="91440" tIns="45720" rIns="91440" bIns="45720" rtlCol="0">
+            <a:normAutofit/>
+          </a:bodyPr>
+          <a:lstStyle>
+            <a:lvl1pPr marL="228600" indent="-228600" algn="l" defTabSz="914400" rtl="0" eaLnBrk="1" latinLnBrk="0" hangingPunct="1">
+              <a:lnSpc>
+                <a:spcPct val="120000"/>
+              </a:lnSpc>
+              <a:spcBef>
+                <a:spcPts val="1000"/>
+              </a:spcBef>
+              <a:buFont typeface="Arial" panose="020B0604020202020204" pitchFamily="34" charset="0"/>
+              <a:buChar char="•"/>
+              <a:defRPr sz="1800" kern="1200">
+                <a:solidFill>
+                  <a:schemeClr val="tx1"/>
+                </a:solidFill>
+                <a:latin typeface="+mn-lt"/>
+                <a:ea typeface="+mn-ea"/>
+                <a:cs typeface="+mn-cs"/>
+              </a:defRPr>
+            </a:lvl1pPr>
+            <a:lvl2pPr marL="502920" indent="-228600" algn="l" defTabSz="914400" rtl="0" eaLnBrk="1" latinLnBrk="0" hangingPunct="1">
+              <a:lnSpc>
+                <a:spcPct val="120000"/>
+              </a:lnSpc>
+              <a:spcBef>
+                <a:spcPts val="500"/>
+              </a:spcBef>
+              <a:buFont typeface="Arial" panose="020B0604020202020204" pitchFamily="34" charset="0"/>
+              <a:buChar char="•"/>
+              <a:defRPr sz="1600" kern="1200">
+                <a:solidFill>
+                  <a:schemeClr val="tx1"/>
+                </a:solidFill>
+                <a:latin typeface="+mn-lt"/>
+                <a:ea typeface="+mn-ea"/>
+                <a:cs typeface="+mn-cs"/>
+              </a:defRPr>
+            </a:lvl2pPr>
+            <a:lvl3pPr marL="731520" indent="-228600" algn="l" defTabSz="914400" rtl="0" eaLnBrk="1" latinLnBrk="0" hangingPunct="1">
+              <a:lnSpc>
+                <a:spcPct val="120000"/>
+              </a:lnSpc>
+              <a:spcBef>
+                <a:spcPts val="500"/>
+              </a:spcBef>
+              <a:buFont typeface="Arial" panose="020B0604020202020204" pitchFamily="34" charset="0"/>
+              <a:buChar char="•"/>
+              <a:defRPr sz="1400" kern="1200">
+                <a:solidFill>
+                  <a:schemeClr val="tx1"/>
+                </a:solidFill>
+                <a:latin typeface="+mn-lt"/>
+                <a:ea typeface="+mn-ea"/>
+                <a:cs typeface="+mn-cs"/>
+              </a:defRPr>
+            </a:lvl3pPr>
+            <a:lvl4pPr marL="1005840" indent="-228600" algn="l" defTabSz="914400" rtl="0" eaLnBrk="1" latinLnBrk="0" hangingPunct="1">
+              <a:lnSpc>
+                <a:spcPct val="120000"/>
+              </a:lnSpc>
+              <a:spcBef>
+                <a:spcPts val="500"/>
+              </a:spcBef>
+              <a:buFont typeface="Arial" panose="020B0604020202020204" pitchFamily="34" charset="0"/>
+              <a:buChar char="•"/>
+              <a:defRPr sz="1400" kern="1200">
+                <a:solidFill>
+                  <a:schemeClr val="tx1"/>
+                </a:solidFill>
+                <a:latin typeface="+mn-lt"/>
+                <a:ea typeface="+mn-ea"/>
+                <a:cs typeface="+mn-cs"/>
+              </a:defRPr>
+            </a:lvl4pPr>
+            <a:lvl5pPr marL="1234440" indent="-228600" algn="l" defTabSz="914400" rtl="0" eaLnBrk="1" latinLnBrk="0" hangingPunct="1">
+              <a:lnSpc>
+                <a:spcPct val="120000"/>
+              </a:lnSpc>
+              <a:spcBef>
+                <a:spcPts val="500"/>
+              </a:spcBef>
+              <a:buFont typeface="Arial" panose="020B0604020202020204" pitchFamily="34" charset="0"/>
+              <a:buChar char="•"/>
+              <a:defRPr sz="1400" kern="1200">
+                <a:solidFill>
+                  <a:schemeClr val="tx1"/>
+                </a:solidFill>
+                <a:latin typeface="+mn-lt"/>
+                <a:ea typeface="+mn-ea"/>
+                <a:cs typeface="+mn-cs"/>
+              </a:defRPr>
+            </a:lvl5pPr>
+            <a:lvl6pPr marL="2514600" indent="-228600" algn="l" defTabSz="914400" rtl="0" eaLnBrk="1" latinLnBrk="0" hangingPunct="1">
+              <a:lnSpc>
+                <a:spcPct val="90000"/>
+              </a:lnSpc>
+              <a:spcBef>
+                <a:spcPts val="500"/>
+              </a:spcBef>
+              <a:buFont typeface="Arial" panose="020B0604020202020204" pitchFamily="34" charset="0"/>
+              <a:buChar char="•"/>
+              <a:defRPr sz="1800" kern="1200">
+                <a:solidFill>
+                  <a:schemeClr val="tx1"/>
+                </a:solidFill>
+                <a:latin typeface="+mn-lt"/>
+                <a:ea typeface="+mn-ea"/>
+                <a:cs typeface="+mn-cs"/>
+              </a:defRPr>
+            </a:lvl6pPr>
+            <a:lvl7pPr marL="2971800" indent="-228600" algn="l" defTabSz="914400" rtl="0" eaLnBrk="1" latinLnBrk="0" hangingPunct="1">
+              <a:lnSpc>
+                <a:spcPct val="90000"/>
+              </a:lnSpc>
+              <a:spcBef>
+                <a:spcPts val="500"/>
+              </a:spcBef>
+              <a:buFont typeface="Arial" panose="020B0604020202020204" pitchFamily="34" charset="0"/>
+              <a:buChar char="•"/>
+              <a:defRPr sz="1800" kern="1200">
+                <a:solidFill>
+                  <a:schemeClr val="tx1"/>
+                </a:solidFill>
+                <a:latin typeface="+mn-lt"/>
+                <a:ea typeface="+mn-ea"/>
+                <a:cs typeface="+mn-cs"/>
+              </a:defRPr>
+            </a:lvl7pPr>
+            <a:lvl8pPr marL="3429000" indent="-228600" algn="l" defTabSz="914400" rtl="0" eaLnBrk="1" latinLnBrk="0" hangingPunct="1">
+              <a:lnSpc>
+                <a:spcPct val="90000"/>
+              </a:lnSpc>
+              <a:spcBef>
+                <a:spcPts val="500"/>
+              </a:spcBef>
+              <a:buFont typeface="Arial" panose="020B0604020202020204" pitchFamily="34" charset="0"/>
+              <a:buChar char="•"/>
+              <a:defRPr sz="1800" kern="1200">
+                <a:solidFill>
+                  <a:schemeClr val="tx1"/>
+                </a:solidFill>
+                <a:latin typeface="+mn-lt"/>
+                <a:ea typeface="+mn-ea"/>
+                <a:cs typeface="+mn-cs"/>
+              </a:defRPr>
+            </a:lvl8pPr>
+            <a:lvl9pPr marL="3886200" indent="-228600" algn="l" defTabSz="914400" rtl="0" eaLnBrk="1" latinLnBrk="0" hangingPunct="1">
+              <a:lnSpc>
+                <a:spcPct val="90000"/>
+              </a:lnSpc>
+              <a:spcBef>
+                <a:spcPts val="500"/>
+              </a:spcBef>
+              <a:buFont typeface="Arial" panose="020B0604020202020204" pitchFamily="34" charset="0"/>
+              <a:buChar char="•"/>
+              <a:defRPr sz="1800" kern="1200">
+                <a:solidFill>
+                  <a:schemeClr val="tx1"/>
+                </a:solidFill>
+                <a:latin typeface="+mn-lt"/>
+                <a:ea typeface="+mn-ea"/>
+                <a:cs typeface="+mn-cs"/>
+              </a:defRPr>
+            </a:lvl9pPr>
+          </a:lstStyle>
+          <a:p>
+            <a:pPr marL="274320" lvl="1" indent="0">
+              <a:lnSpc>
+                <a:spcPct val="150000"/>
+              </a:lnSpc>
+              <a:buFont typeface="Arial" panose="020B0604020202020204" pitchFamily="34" charset="0"/>
+              <a:buNone/>
+            </a:pPr>
+            <a:endParaRPr lang="de-AT" dirty="0">
+              <a:solidFill>
+                <a:srgbClr val="374151"/>
+              </a:solidFill>
+              <a:latin typeface="Montserrat" panose="00000500000000000000" pitchFamily="2" charset="0"/>
+            </a:endParaRPr>
+          </a:p>
+          <a:p>
+            <a:pPr marL="274320" lvl="1" indent="0">
+              <a:lnSpc>
+                <a:spcPct val="150000"/>
+              </a:lnSpc>
+              <a:buFont typeface="Arial" panose="020B0604020202020204" pitchFamily="34" charset="0"/>
+              <a:buNone/>
+            </a:pPr>
+            <a:endParaRPr lang="de-AT" dirty="0">
+              <a:solidFill>
+                <a:srgbClr val="374151"/>
+              </a:solidFill>
+              <a:latin typeface="Montserrat" panose="00000500000000000000" pitchFamily="2" charset="0"/>
+            </a:endParaRPr>
+          </a:p>
+        </p:txBody>
+      </p:sp>
+      <p:sp>
+        <p:nvSpPr>
+          <p:cNvPr id="4" name="Foliennummernplatzhalter 3">
+            <a:extLst>
+              <a:ext uri="{FF2B5EF4-FFF2-40B4-BE49-F238E27FC236}">
+                <a16:creationId xmlns:a16="http://schemas.microsoft.com/office/drawing/2014/main" id="{9DE22005-0B5A-2C04-992C-E1FC95F24FFD}"/>
+              </a:ext>
+            </a:extLst>
+          </p:cNvPr>
+          <p:cNvSpPr>
+            <a:spLocks noGrp="1"/>
+          </p:cNvSpPr>
+          <p:nvPr>
+            <p:ph type="sldNum" sz="quarter" idx="12"/>
+          </p:nvPr>
+        </p:nvSpPr>
+        <p:spPr/>
+        <p:txBody>
+          <a:bodyPr/>
+          <a:lstStyle/>
+          <a:p>
+            <a:fld id="{D637F8FC-4B86-4690-8888-22AB2F781BEF}" type="slidenum">
+              <a:rPr lang="en-US" smtClean="0"/>
+              <a:t>25</a:t>
+            </a:fld>
+            <a:endParaRPr lang="en-US" dirty="0"/>
+          </a:p>
+        </p:txBody>
+      </p:sp>
+      <p:pic>
+        <p:nvPicPr>
+          <p:cNvPr id="7" name="Grafik 6" descr="Ein Bild, das Schwarz, Dunkelheit enthält.&#10;&#10;Automatisch generierte Beschreibung">
+            <a:extLst>
+              <a:ext uri="{FF2B5EF4-FFF2-40B4-BE49-F238E27FC236}">
+                <a16:creationId xmlns:a16="http://schemas.microsoft.com/office/drawing/2014/main" id="{C91D61D1-462F-BFC7-0A43-A534BF7068A7}"/>
+              </a:ext>
+            </a:extLst>
+          </p:cNvPr>
+          <p:cNvPicPr>
+            <a:picLocks noChangeAspect="1"/>
+          </p:cNvPicPr>
+          <p:nvPr/>
+        </p:nvPicPr>
+        <p:blipFill>
+          <a:blip r:embed="rId2">
+            <a:extLst>
+              <a:ext uri="{28A0092B-C50C-407E-A947-70E740481C1C}">
+                <a14:useLocalDpi xmlns:a14="http://schemas.microsoft.com/office/drawing/2010/main" val="0"/>
+              </a:ext>
+            </a:extLst>
+          </a:blip>
+          <a:stretch>
+            <a:fillRect/>
+          </a:stretch>
+        </p:blipFill>
+        <p:spPr>
+          <a:xfrm>
+            <a:off x="4394799" y="2742864"/>
+            <a:ext cx="2903955" cy="2903955"/>
+          </a:xfrm>
+          <a:prstGeom prst="rect">
+            <a:avLst/>
+          </a:prstGeom>
+        </p:spPr>
+      </p:pic>
+    </p:spTree>
+    <p:extLst>
+      <p:ext uri="{BB962C8B-B14F-4D97-AF65-F5344CB8AC3E}">
+        <p14:creationId xmlns:p14="http://schemas.microsoft.com/office/powerpoint/2010/main" val="3816130795"/>
+      </p:ext>
+    </p:extLst>
+  </p:cSld>
+  <p:clrMapOvr>
+    <a:masterClrMapping/>
+  </p:clrMapOvr>
+  <p:timing>
+    <p:tnLst>
+      <p:par>
+        <p:cTn id="1" dur="indefinite" restart="never" nodeType="tmRoot">
+          <p:childTnLst>
+            <p:seq concurrent="1" nextAc="seek">
+              <p:cTn id="2" dur="indefinite" nodeType="mainSeq">
+                <p:childTnLst>
+                  <p:par>
+                    <p:cTn id="3" fill="hold">
+                      <p:stCondLst>
+                        <p:cond delay="indefinite"/>
+                      </p:stCondLst>
+                      <p:childTnLst>
+                        <p:par>
+                          <p:cTn id="4" fill="hold">
+                            <p:stCondLst>
+                              <p:cond delay="0"/>
+                            </p:stCondLst>
+                            <p:childTnLst>
+                              <p:par>
+                                <p:cTn id="5" presetID="10" presetClass="entr" presetSubtype="0" fill="hold" grpId="0" nodeType="clickEffect">
+                                  <p:stCondLst>
+                                    <p:cond delay="0"/>
+                                  </p:stCondLst>
+                                  <p:childTnLst>
+                                    <p:set>
+                                      <p:cBhvr>
+                                        <p:cTn id="6" dur="1" fill="hold">
+                                          <p:stCondLst>
+                                            <p:cond delay="0"/>
+                                          </p:stCondLst>
+                                        </p:cTn>
+                                        <p:tgtEl>
+                                          <p:spTgt spid="3">
+                                            <p:txEl>
+                                              <p:pRg st="0" end="0"/>
+                                            </p:txEl>
+                                          </p:spTgt>
+                                        </p:tgtEl>
+                                        <p:attrNameLst>
+                                          <p:attrName>style.visibility</p:attrName>
+                                        </p:attrNameLst>
+                                      </p:cBhvr>
+                                      <p:to>
+                                        <p:strVal val="visible"/>
+                                      </p:to>
+                                    </p:set>
+                                    <p:animEffect transition="in" filter="fade">
+                                      <p:cBhvr>
+                                        <p:cTn id="7" dur="500"/>
+                                        <p:tgtEl>
+                                          <p:spTgt spid="3">
+                                            <p:txEl>
+                                              <p:pRg st="0" end="0"/>
+                                            </p:txEl>
+                                          </p:spTgt>
+                                        </p:tgtEl>
+                                      </p:cBhvr>
+                                    </p:animEffect>
+                                  </p:childTnLst>
+                                </p:cTn>
+                              </p:par>
+                            </p:childTnLst>
+                          </p:cTn>
+                        </p:par>
+                      </p:childTnLst>
+                    </p:cTn>
+                  </p:par>
+                </p:childTnLst>
+              </p:cTn>
+              <p:prevCondLst>
+                <p:cond evt="onPrev" delay="0">
+                  <p:tgtEl>
+                    <p:sldTgt/>
+                  </p:tgtEl>
+                </p:cond>
+              </p:prevCondLst>
+              <p:nextCondLst>
+                <p:cond evt="onNext" delay="0">
+                  <p:tgtEl>
+                    <p:sldTgt/>
+                  </p:tgtEl>
+                </p:cond>
+              </p:nextCondLst>
+            </p:seq>
+          </p:childTnLst>
+        </p:cTn>
+      </p:par>
+    </p:tnLst>
+    <p:bldLst>
+      <p:bldP spid="3" grpId="0" build="p"/>
+    </p:bldLst>
+  </p:timing>
+</p:sld>
+</file>
+
+<file path=ppt/slides/slide26.xml><?xml version="1.0" encoding="utf-8"?>
+<p:sld xmlns:a="http://schemas.openxmlformats.org/drawingml/2006/main" xmlns:r="http://schemas.openxmlformats.org/officeDocument/2006/relationships" xmlns:p="http://schemas.openxmlformats.org/presentationml/2006/main">
+  <p:cSld>
+    <p:spTree>
+      <p:nvGrpSpPr>
+        <p:cNvPr id="1" name=""/>
+        <p:cNvGrpSpPr/>
+        <p:nvPr/>
+      </p:nvGrpSpPr>
+      <p:grpSpPr>
+        <a:xfrm>
+          <a:off x="0" y="0"/>
+          <a:ext cx="0" cy="0"/>
+          <a:chOff x="0" y="0"/>
+          <a:chExt cx="0" cy="0"/>
+        </a:xfrm>
+      </p:grpSpPr>
+      <p:sp>
+        <p:nvSpPr>
+          <p:cNvPr id="6" name="Titel 5">
+            <a:extLst>
+              <a:ext uri="{FF2B5EF4-FFF2-40B4-BE49-F238E27FC236}">
+                <a16:creationId xmlns:a16="http://schemas.microsoft.com/office/drawing/2014/main" id="{215C6C17-3994-268F-CD9B-1F627A31A4B8}"/>
+              </a:ext>
+            </a:extLst>
+          </p:cNvPr>
+          <p:cNvSpPr>
+            <a:spLocks noGrp="1"/>
+          </p:cNvSpPr>
+          <p:nvPr>
+            <p:ph type="ctrTitle"/>
+          </p:nvPr>
+        </p:nvSpPr>
+        <p:spPr>
+          <a:xfrm>
+            <a:off x="2032212" y="342077"/>
+            <a:ext cx="8127574" cy="2736443"/>
+          </a:xfrm>
+        </p:spPr>
+        <p:txBody>
+          <a:bodyPr/>
+          <a:lstStyle/>
+          <a:p>
+            <a:r>
+              <a:rPr lang="de-AT" dirty="0"/>
+              <a:t>Viel Erfolg beim Entwickeln!</a:t>
+            </a:r>
+          </a:p>
+        </p:txBody>
+      </p:sp>
+      <p:pic>
+        <p:nvPicPr>
+          <p:cNvPr id="2050" name="Picture 2" descr="CODERS.BAY | Linz">
+            <a:extLst>
+              <a:ext uri="{FF2B5EF4-FFF2-40B4-BE49-F238E27FC236}">
+                <a16:creationId xmlns:a16="http://schemas.microsoft.com/office/drawing/2014/main" id="{FC92A2D7-CD40-5160-E3FA-7A115A1ECE63}"/>
+              </a:ext>
+            </a:extLst>
+          </p:cNvPr>
+          <p:cNvPicPr>
+            <a:picLocks noChangeAspect="1" noChangeArrowheads="1"/>
+          </p:cNvPicPr>
+          <p:nvPr/>
+        </p:nvPicPr>
+        <p:blipFill>
+          <a:blip r:embed="rId2">
+            <a:extLst>
+              <a:ext uri="{28A0092B-C50C-407E-A947-70E740481C1C}">
+                <a14:useLocalDpi xmlns:a14="http://schemas.microsoft.com/office/drawing/2010/main" val="0"/>
+              </a:ext>
+            </a:extLst>
+          </a:blip>
+          <a:srcRect/>
+          <a:stretch>
+            <a:fillRect/>
+          </a:stretch>
+        </p:blipFill>
+        <p:spPr bwMode="auto">
+          <a:xfrm>
+            <a:off x="5342119" y="3429000"/>
+            <a:ext cx="1507761" cy="1507761"/>
+          </a:xfrm>
+          <a:prstGeom prst="rect">
+            <a:avLst/>
+          </a:prstGeom>
+          <a:noFill/>
+          <a:extLst>
+            <a:ext uri="{909E8E84-426E-40DD-AFC4-6F175D3DCCD1}">
+              <a14:hiddenFill xmlns:a14="http://schemas.microsoft.com/office/drawing/2010/main">
+                <a:solidFill>
+                  <a:srgbClr val="FFFFFF"/>
+                </a:solidFill>
+              </a14:hiddenFill>
+            </a:ext>
+          </a:extLst>
+        </p:spPr>
+      </p:pic>
+    </p:spTree>
+    <p:extLst>
+      <p:ext uri="{BB962C8B-B14F-4D97-AF65-F5344CB8AC3E}">
+        <p14:creationId xmlns:p14="http://schemas.microsoft.com/office/powerpoint/2010/main" val="2872145444"/>
+      </p:ext>
+    </p:extLst>
+  </p:cSld>
+  <p:clrMapOvr>
+    <a:masterClrMapping/>
+  </p:clrMapOvr>
+  <p:timing>
+    <p:tnLst>
+      <p:par>
+        <p:cTn id="1" dur="indefinite" restart="never" nodeType="tmRoot"/>
+      </p:par>
+    </p:tnLst>
   </p:timing>
 </p:sld>
 </file>

--- a/2. HTML/Slides/HTML Grundlagen.pptx
+++ b/2. HTML/Slides/HTML Grundlagen.pptx
@@ -288,7 +288,7 @@
           <a:p>
             <a:fld id="{B6D41BCC-AD73-4203-A5A6-E62EB28B0FE6}" type="datetimeFigureOut">
               <a:rPr lang="en-US" smtClean="0"/>
-              <a:t>9/25/2023</a:t>
+              <a:t>9/26/2023</a:t>
             </a:fld>
             <a:endParaRPr lang="en-US"/>
           </a:p>
@@ -496,7 +496,7 @@
           <a:p>
             <a:fld id="{B6D41BCC-AD73-4203-A5A6-E62EB28B0FE6}" type="datetimeFigureOut">
               <a:rPr lang="en-US" smtClean="0"/>
-              <a:t>9/25/2023</a:t>
+              <a:t>9/26/2023</a:t>
             </a:fld>
             <a:endParaRPr lang="en-US"/>
           </a:p>
@@ -704,7 +704,7 @@
           <a:p>
             <a:fld id="{B6D41BCC-AD73-4203-A5A6-E62EB28B0FE6}" type="datetimeFigureOut">
               <a:rPr lang="en-US" smtClean="0"/>
-              <a:t>9/25/2023</a:t>
+              <a:t>9/26/2023</a:t>
             </a:fld>
             <a:endParaRPr lang="en-US"/>
           </a:p>
@@ -912,7 +912,7 @@
           <a:p>
             <a:fld id="{B6D41BCC-AD73-4203-A5A6-E62EB28B0FE6}" type="datetimeFigureOut">
               <a:rPr lang="en-US" smtClean="0"/>
-              <a:t>9/25/2023</a:t>
+              <a:t>9/26/2023</a:t>
             </a:fld>
             <a:endParaRPr lang="en-US"/>
           </a:p>
@@ -1417,7 +1417,7 @@
           <a:p>
             <a:fld id="{B6D41BCC-AD73-4203-A5A6-E62EB28B0FE6}" type="datetimeFigureOut">
               <a:rPr lang="en-US" smtClean="0"/>
-              <a:t>9/25/2023</a:t>
+              <a:t>9/26/2023</a:t>
             </a:fld>
             <a:endParaRPr lang="en-US"/>
           </a:p>
@@ -1687,7 +1687,7 @@
           <a:p>
             <a:fld id="{B6D41BCC-AD73-4203-A5A6-E62EB28B0FE6}" type="datetimeFigureOut">
               <a:rPr lang="en-US" smtClean="0"/>
-              <a:t>9/25/2023</a:t>
+              <a:t>9/26/2023</a:t>
             </a:fld>
             <a:endParaRPr lang="en-US"/>
           </a:p>
@@ -2103,7 +2103,7 @@
           <a:p>
             <a:fld id="{B6D41BCC-AD73-4203-A5A6-E62EB28B0FE6}" type="datetimeFigureOut">
               <a:rPr lang="en-US" smtClean="0"/>
-              <a:t>9/25/2023</a:t>
+              <a:t>9/26/2023</a:t>
             </a:fld>
             <a:endParaRPr lang="en-US"/>
           </a:p>
@@ -2251,7 +2251,7 @@
           <a:p>
             <a:fld id="{B6D41BCC-AD73-4203-A5A6-E62EB28B0FE6}" type="datetimeFigureOut">
               <a:rPr lang="en-US" smtClean="0"/>
-              <a:t>9/25/2023</a:t>
+              <a:t>9/26/2023</a:t>
             </a:fld>
             <a:endParaRPr lang="en-US"/>
           </a:p>
@@ -2364,7 +2364,7 @@
           <a:p>
             <a:fld id="{B6D41BCC-AD73-4203-A5A6-E62EB28B0FE6}" type="datetimeFigureOut">
               <a:rPr lang="en-US" smtClean="0"/>
-              <a:t>9/25/2023</a:t>
+              <a:t>9/26/2023</a:t>
             </a:fld>
             <a:endParaRPr lang="en-US"/>
           </a:p>
@@ -2690,7 +2690,7 @@
           <a:p>
             <a:fld id="{B6D41BCC-AD73-4203-A5A6-E62EB28B0FE6}" type="datetimeFigureOut">
               <a:rPr lang="en-US" smtClean="0"/>
-              <a:t>9/25/2023</a:t>
+              <a:t>9/26/2023</a:t>
             </a:fld>
             <a:endParaRPr lang="en-US"/>
           </a:p>
@@ -2978,7 +2978,7 @@
           <a:p>
             <a:fld id="{B6D41BCC-AD73-4203-A5A6-E62EB28B0FE6}" type="datetimeFigureOut">
               <a:rPr lang="en-US" smtClean="0"/>
-              <a:t>9/25/2023</a:t>
+              <a:t>9/26/2023</a:t>
             </a:fld>
             <a:endParaRPr lang="en-US"/>
           </a:p>
@@ -3218,7 +3218,7 @@
             <a:fld id="{B6D41BCC-AD73-4203-A5A6-E62EB28B0FE6}" type="datetimeFigureOut">
               <a:rPr lang="en-US" smtClean="0"/>
               <a:pPr/>
-              <a:t>9/25/2023</a:t>
+              <a:t>9/26/2023</a:t>
             </a:fld>
             <a:endParaRPr lang="en-US"/>
           </a:p>
@@ -3702,7 +3702,7 @@
                 <a16:creationId xmlns:a16="http://schemas.microsoft.com/office/drawing/2014/main" id="{BE229233-9672-4675-99B7-6CBCEF1CD415}"/>
               </a:ext>
               <a:ext uri="{C183D7F6-B498-43B3-948B-1728B52AA6E4}">
-                <adec:decorative xmlns="" xmlns:adec="http://schemas.microsoft.com/office/drawing/2017/decorative" val="1"/>
+                <adec:decorative xmlns:adec="http://schemas.microsoft.com/office/drawing/2017/decorative" xmlns="" val="1"/>
               </a:ext>
             </a:extLst>
           </p:cNvPr>
@@ -3797,7 +3797,7 @@
                 <a16:creationId xmlns:a16="http://schemas.microsoft.com/office/drawing/2014/main" id="{EC5FF010-B53C-46BE-BEEF-AF926A00F67F}"/>
               </a:ext>
               <a:ext uri="{C183D7F6-B498-43B3-948B-1728B52AA6E4}">
-                <adec:decorative xmlns="" xmlns:adec="http://schemas.microsoft.com/office/drawing/2017/decorative" val="1"/>
+                <adec:decorative xmlns:adec="http://schemas.microsoft.com/office/drawing/2017/decorative" xmlns="" val="1"/>
               </a:ext>
             </a:extLst>
           </p:cNvPr>
@@ -3863,7 +3863,7 @@
                 <a16:creationId xmlns:a16="http://schemas.microsoft.com/office/drawing/2014/main" id="{8509AD9C-1F43-4138-A72B-8CA988EDD475}"/>
               </a:ext>
               <a:ext uri="{C183D7F6-B498-43B3-948B-1728B52AA6E4}">
-                <adec:decorative xmlns="" xmlns:adec="http://schemas.microsoft.com/office/drawing/2017/decorative" val="1"/>
+                <adec:decorative xmlns:adec="http://schemas.microsoft.com/office/drawing/2017/decorative" xmlns="" val="1"/>
               </a:ext>
             </a:extLst>
           </p:cNvPr>
@@ -6106,23 +6106,7 @@
           <a:p>
             <a:r>
               <a:rPr lang="de-AT" dirty="0" smtClean="0"/>
-              <a:t>Einbetten von externen </a:t>
-            </a:r>
-            <a:r>
-              <a:rPr lang="de-AT" dirty="0" smtClean="0"/>
-              <a:t>oder </a:t>
-            </a:r>
-            <a:r>
-              <a:rPr lang="de-AT" dirty="0" smtClean="0"/>
-              <a:t>internen </a:t>
-            </a:r>
-            <a:r>
-              <a:rPr lang="de-AT" dirty="0" smtClean="0"/>
-              <a:t>Webseiten </a:t>
-            </a:r>
-            <a:r>
-              <a:rPr lang="de-AT" dirty="0" smtClean="0"/>
-              <a:t>und Inhalten im aktuellen HTML File</a:t>
+              <a:t>Einbetten von externen oder internen Webseiten und Inhalten im aktuellen HTML File</a:t>
             </a:r>
             <a:endParaRPr lang="en-US" dirty="0"/>
           </a:p>
@@ -9580,7 +9564,33 @@
           <a:p>
             <a:r>
               <a:rPr lang="de-AT" dirty="0" smtClean="0"/>
-              <a:t>Verwende dafür sowohl Inline als auch Block Elemente.</a:t>
+              <a:t>Verwende dafür sowohl Inline als auch Block Elemente</a:t>
+            </a:r>
+            <a:r>
+              <a:rPr lang="de-AT" dirty="0" smtClean="0"/>
+              <a:t>.</a:t>
+            </a:r>
+          </a:p>
+          <a:p>
+            <a:r>
+              <a:rPr lang="de-AT" dirty="0" smtClean="0"/>
+              <a:t>Über </a:t>
+            </a:r>
+            <a:r>
+              <a:rPr lang="de-AT" dirty="0" err="1" smtClean="0"/>
+              <a:t>styling</a:t>
+            </a:r>
+            <a:r>
+              <a:rPr lang="de-AT" dirty="0" smtClean="0"/>
+              <a:t> können inline und block Elemente definiert werden Beispiel: p{</a:t>
+            </a:r>
+            <a:r>
+              <a:rPr lang="de-AT" dirty="0" err="1" smtClean="0"/>
+              <a:t>display:inline</a:t>
+            </a:r>
+            <a:r>
+              <a:rPr lang="de-AT" dirty="0" smtClean="0"/>
+              <a:t>}</a:t>
             </a:r>
             <a:endParaRPr lang="en-US" dirty="0"/>
           </a:p>
@@ -9664,11 +9674,7 @@
           <a:p>
             <a:r>
               <a:rPr lang="de-AT" dirty="0" smtClean="0"/>
-              <a:t>HTML </a:t>
-            </a:r>
-            <a:r>
-              <a:rPr lang="de-AT" dirty="0" smtClean="0"/>
-              <a:t>Formulare</a:t>
+              <a:t>HTML Formulare</a:t>
             </a:r>
             <a:endParaRPr lang="en-US" dirty="0"/>
           </a:p>
@@ -9758,7 +9764,6 @@
               <a:rPr lang="de-AT" dirty="0" smtClean="0"/>
               <a:t>“&gt; wird das Formular abgeschickt </a:t>
             </a:r>
-            <a:endParaRPr lang="de-AT" dirty="0" smtClean="0"/>
           </a:p>
         </p:txBody>
       </p:sp>
@@ -9864,11 +9869,7 @@
           <a:p>
             <a:r>
               <a:rPr lang="de-AT" dirty="0" smtClean="0"/>
-              <a:t>HTML </a:t>
-            </a:r>
-            <a:r>
-              <a:rPr lang="de-AT" dirty="0" smtClean="0"/>
-              <a:t>Formular Attribute</a:t>
+              <a:t>HTML Formular Attribute</a:t>
             </a:r>
             <a:endParaRPr lang="en-US" dirty="0"/>
           </a:p>
@@ -10098,11 +10099,7 @@
           <a:p>
             <a:r>
               <a:rPr lang="de-AT" dirty="0" smtClean="0"/>
-              <a:t>HTML </a:t>
-            </a:r>
-            <a:r>
-              <a:rPr lang="de-AT" dirty="0" smtClean="0"/>
-              <a:t>Formular Input Attribute</a:t>
+              <a:t>HTML Formular Input Attribute</a:t>
             </a:r>
             <a:endParaRPr lang="en-US" dirty="0"/>
           </a:p>
